--- a/Flow Rate Forecasting.pptx
+++ b/Flow Rate Forecasting.pptx
@@ -5,17 +5,19 @@
     <p:sldMasterId id="2147483648" r:id="rId1"/>
   </p:sldMasterIdLst>
   <p:notesMasterIdLst>
-    <p:notesMasterId r:id="rId10"/>
+    <p:notesMasterId r:id="rId12"/>
   </p:notesMasterIdLst>
   <p:sldIdLst>
     <p:sldId id="256" r:id="rId2"/>
     <p:sldId id="257" r:id="rId3"/>
     <p:sldId id="260" r:id="rId4"/>
     <p:sldId id="262" r:id="rId5"/>
-    <p:sldId id="263" r:id="rId6"/>
-    <p:sldId id="261" r:id="rId7"/>
-    <p:sldId id="259" r:id="rId8"/>
-    <p:sldId id="258" r:id="rId9"/>
+    <p:sldId id="264" r:id="rId6"/>
+    <p:sldId id="265" r:id="rId7"/>
+    <p:sldId id="263" r:id="rId8"/>
+    <p:sldId id="261" r:id="rId9"/>
+    <p:sldId id="259" r:id="rId10"/>
+    <p:sldId id="258" r:id="rId11"/>
   </p:sldIdLst>
   <p:sldSz cx="12192000" cy="6858000"/>
   <p:notesSz cx="6858000" cy="9144000"/>
@@ -358,7 +360,7 @@
           <a:p>
             <a:fld id="{11A436CA-4D1D-4FDC-8AD6-FF95FFB01B5B}" type="slidenum">
               <a:rPr lang="fr-CH" smtClean="0"/>
-              <a:t>‹N°›</a:t>
+              <a:t>‹#›</a:t>
             </a:fld>
             <a:endParaRPr lang="fr-CH"/>
           </a:p>
@@ -1869,7 +1871,7 @@
             <a:fld id="{71766878-3199-4EAB-94E7-2D6D11070E14}" type="slidenum">
               <a:rPr lang="en-US" dirty="0"/>
               <a:pPr/>
-              <a:t>‹N°›</a:t>
+              <a:t>‹#›</a:t>
             </a:fld>
             <a:endParaRPr lang="en-US" dirty="0"/>
           </a:p>
@@ -2072,7 +2074,7 @@
           <a:p>
             <a:fld id="{71766878-3199-4EAB-94E7-2D6D11070E14}" type="slidenum">
               <a:rPr lang="en-US" dirty="0"/>
-              <a:t>‹N°›</a:t>
+              <a:t>‹#›</a:t>
             </a:fld>
             <a:endParaRPr lang="en-US" dirty="0"/>
           </a:p>
@@ -2247,7 +2249,7 @@
           <a:p>
             <a:fld id="{71766878-3199-4EAB-94E7-2D6D11070E14}" type="slidenum">
               <a:rPr lang="en-US" dirty="0"/>
-              <a:t>‹N°›</a:t>
+              <a:t>‹#›</a:t>
             </a:fld>
             <a:endParaRPr lang="en-US" dirty="0"/>
           </a:p>
@@ -2412,7 +2414,7 @@
           <a:p>
             <a:fld id="{71766878-3199-4EAB-94E7-2D6D11070E14}" type="slidenum">
               <a:rPr lang="en-US" dirty="0"/>
-              <a:t>‹N°›</a:t>
+              <a:t>‹#›</a:t>
             </a:fld>
             <a:endParaRPr lang="en-US" dirty="0"/>
           </a:p>
@@ -2708,7 +2710,7 @@
             <a:fld id="{71766878-3199-4EAB-94E7-2D6D11070E14}" type="slidenum">
               <a:rPr lang="en-US" dirty="0"/>
               <a:pPr/>
-              <a:t>‹N°›</a:t>
+              <a:t>‹#›</a:t>
             </a:fld>
             <a:endParaRPr lang="en-US" dirty="0"/>
           </a:p>
@@ -3878,7 +3880,7 @@
           <a:p>
             <a:fld id="{71766878-3199-4EAB-94E7-2D6D11070E14}" type="slidenum">
               <a:rPr lang="en-US" dirty="0"/>
-              <a:t>‹N°›</a:t>
+              <a:t>‹#›</a:t>
             </a:fld>
             <a:endParaRPr lang="en-US" dirty="0"/>
           </a:p>
@@ -3891,7 +3893,7 @@
   </p:clrMapOvr>
   <p:extLst>
     <p:ext uri="{DCECCB84-F9BA-43D5-87BE-67443E8EF086}">
-      <p15:sldGuideLst xmlns:p15="http://schemas.microsoft.com/office/powerpoint/2012/main"/>
+      <p15:sldGuideLst xmlns:p15="http://schemas.microsoft.com/office/powerpoint/2012/main" xmlns=""/>
     </p:ext>
   </p:extLst>
 </p:sldLayout>
@@ -4263,7 +4265,7 @@
           <a:p>
             <a:fld id="{71766878-3199-4EAB-94E7-2D6D11070E14}" type="slidenum">
               <a:rPr lang="en-US" dirty="0"/>
-              <a:t>‹N°›</a:t>
+              <a:t>‹#›</a:t>
             </a:fld>
             <a:endParaRPr lang="en-US" dirty="0"/>
           </a:p>
@@ -4276,7 +4278,7 @@
   </p:clrMapOvr>
   <p:extLst>
     <p:ext uri="{DCECCB84-F9BA-43D5-87BE-67443E8EF086}">
-      <p15:sldGuideLst xmlns:p15="http://schemas.microsoft.com/office/powerpoint/2012/main"/>
+      <p15:sldGuideLst xmlns:p15="http://schemas.microsoft.com/office/powerpoint/2012/main" xmlns=""/>
     </p:ext>
   </p:extLst>
 </p:sldLayout>
@@ -4381,7 +4383,7 @@
           <a:p>
             <a:fld id="{71766878-3199-4EAB-94E7-2D6D11070E14}" type="slidenum">
               <a:rPr lang="en-US" dirty="0"/>
-              <a:t>‹N°›</a:t>
+              <a:t>‹#›</a:t>
             </a:fld>
             <a:endParaRPr lang="en-US" dirty="0"/>
           </a:p>
@@ -4471,7 +4473,7 @@
           <a:p>
             <a:fld id="{71766878-3199-4EAB-94E7-2D6D11070E14}" type="slidenum">
               <a:rPr lang="en-US" dirty="0"/>
-              <a:t>‹N°›</a:t>
+              <a:t>‹#›</a:t>
             </a:fld>
             <a:endParaRPr lang="en-US" dirty="0"/>
           </a:p>
@@ -5239,7 +5241,7 @@
           <a:p>
             <a:fld id="{71766878-3199-4EAB-94E7-2D6D11070E14}" type="slidenum">
               <a:rPr lang="en-US" dirty="0"/>
-              <a:t>‹N°›</a:t>
+              <a:t>‹#›</a:t>
             </a:fld>
             <a:endParaRPr lang="en-US" dirty="0"/>
           </a:p>
@@ -5290,7 +5292,7 @@
   </p:clrMapOvr>
   <p:extLst>
     <p:ext uri="{DCECCB84-F9BA-43D5-87BE-67443E8EF086}">
-      <p15:sldGuideLst xmlns:p15="http://schemas.microsoft.com/office/powerpoint/2012/main">
+      <p15:sldGuideLst xmlns:p15="http://schemas.microsoft.com/office/powerpoint/2012/main" xmlns="">
         <p15:guide id="1" orient="horz" pos="696">
           <p15:clr>
             <a:srgbClr val="FBAE40"/>
@@ -6074,7 +6076,7 @@
           <a:p>
             <a:fld id="{71766878-3199-4EAB-94E7-2D6D11070E14}" type="slidenum">
               <a:rPr lang="en-US" dirty="0"/>
-              <a:t>‹N°›</a:t>
+              <a:t>‹#›</a:t>
             </a:fld>
             <a:endParaRPr lang="en-US" dirty="0"/>
           </a:p>
@@ -6326,7 +6328,7 @@
             <a:fld id="{71766878-3199-4EAB-94E7-2D6D11070E14}" type="slidenum">
               <a:rPr lang="en-US" dirty="0"/>
               <a:pPr/>
-              <a:t>‹N°›</a:t>
+              <a:t>‹#›</a:t>
             </a:fld>
             <a:endParaRPr lang="en-US" dirty="0"/>
           </a:p>
@@ -7186,7 +7188,7 @@
   </p:txStyles>
   <p:extLst>
     <p:ext uri="{27BBF7A9-308A-43DC-89C8-2F10F3537804}">
-      <p15:sldGuideLst xmlns:p15="http://schemas.microsoft.com/office/powerpoint/2012/main">
+      <p15:sldGuideLst xmlns:p15="http://schemas.microsoft.com/office/powerpoint/2012/main" xmlns="">
         <p15:guide id="1" pos="792">
           <p15:clr>
             <a:srgbClr val="F26B43"/>
@@ -7245,7 +7247,7 @@
           <p:cNvPr id="2" name="Titre 1">
             <a:extLst>
               <a:ext uri="{FF2B5EF4-FFF2-40B4-BE49-F238E27FC236}">
-                <a16:creationId xmlns:a16="http://schemas.microsoft.com/office/drawing/2014/main" id="{24F92CC6-3420-4F71-88F1-3A6A3F717850}"/>
+                <a16:creationId xmlns:a16="http://schemas.microsoft.com/office/drawing/2014/main" xmlns="" id="{24F92CC6-3420-4F71-88F1-3A6A3F717850}"/>
               </a:ext>
             </a:extLst>
           </p:cNvPr>
@@ -7278,7 +7280,7 @@
           <p:cNvPr id="3" name="Sous-titre 2">
             <a:extLst>
               <a:ext uri="{FF2B5EF4-FFF2-40B4-BE49-F238E27FC236}">
-                <a16:creationId xmlns:a16="http://schemas.microsoft.com/office/drawing/2014/main" id="{CCFFFA0D-0E94-417B-B539-57C7AE996388}"/>
+                <a16:creationId xmlns:a16="http://schemas.microsoft.com/office/drawing/2014/main" xmlns="" id="{CCFFFA0D-0E94-417B-B539-57C7AE996388}"/>
               </a:ext>
             </a:extLst>
           </p:cNvPr>
@@ -7302,6 +7304,291 @@
     <p:extLst>
       <p:ext uri="{BB962C8B-B14F-4D97-AF65-F5344CB8AC3E}">
         <p14:creationId xmlns:p14="http://schemas.microsoft.com/office/powerpoint/2010/main" val="1873030916"/>
+      </p:ext>
+    </p:extLst>
+  </p:cSld>
+  <p:clrMapOvr>
+    <a:masterClrMapping/>
+  </p:clrMapOvr>
+</p:sld>
+</file>
+
+<file path=ppt/slides/slide10.xml><?xml version="1.0" encoding="utf-8"?>
+<p:sld xmlns:a="http://schemas.openxmlformats.org/drawingml/2006/main" xmlns:r="http://schemas.openxmlformats.org/officeDocument/2006/relationships" xmlns:p="http://schemas.openxmlformats.org/presentationml/2006/main">
+  <p:cSld>
+    <p:spTree>
+      <p:nvGrpSpPr>
+        <p:cNvPr id="1" name=""/>
+        <p:cNvGrpSpPr/>
+        <p:nvPr/>
+      </p:nvGrpSpPr>
+      <p:grpSpPr>
+        <a:xfrm>
+          <a:off x="0" y="0"/>
+          <a:ext cx="0" cy="0"/>
+          <a:chOff x="0" y="0"/>
+          <a:chExt cx="0" cy="0"/>
+        </a:xfrm>
+      </p:grpSpPr>
+      <p:sp>
+        <p:nvSpPr>
+          <p:cNvPr id="2" name="Titre 1">
+            <a:extLst>
+              <a:ext uri="{FF2B5EF4-FFF2-40B4-BE49-F238E27FC236}">
+                <a16:creationId xmlns:a16="http://schemas.microsoft.com/office/drawing/2014/main" xmlns="" id="{3EE5AC17-0E60-4FFF-9578-7FE07DA03D40}"/>
+              </a:ext>
+            </a:extLst>
+          </p:cNvPr>
+          <p:cNvSpPr>
+            <a:spLocks noGrp="1"/>
+          </p:cNvSpPr>
+          <p:nvPr>
+            <p:ph type="title"/>
+          </p:nvPr>
+        </p:nvSpPr>
+        <p:spPr/>
+        <p:txBody>
+          <a:bodyPr/>
+          <a:lstStyle/>
+          <a:p>
+            <a:r>
+              <a:rPr lang="fr-CH" dirty="0"/>
+              <a:t>Conception</a:t>
+            </a:r>
+            <a:br>
+              <a:rPr lang="fr-CH" dirty="0"/>
+            </a:br>
+            <a:r>
+              <a:rPr lang="fr-CH" dirty="0" err="1"/>
+              <a:t>Regression</a:t>
+            </a:r>
+            <a:r>
+              <a:rPr lang="fr-CH" dirty="0"/>
+              <a:t> et Machine Learning</a:t>
+            </a:r>
+          </a:p>
+        </p:txBody>
+      </p:sp>
+      <p:sp>
+        <p:nvSpPr>
+          <p:cNvPr id="5" name="Espace réservé du texte 4">
+            <a:extLst>
+              <a:ext uri="{FF2B5EF4-FFF2-40B4-BE49-F238E27FC236}">
+                <a16:creationId xmlns:a16="http://schemas.microsoft.com/office/drawing/2014/main" xmlns="" id="{D6E3FAC6-2A1D-4805-B8E4-5B1691D88E15}"/>
+              </a:ext>
+            </a:extLst>
+          </p:cNvPr>
+          <p:cNvSpPr>
+            <a:spLocks noGrp="1"/>
+          </p:cNvSpPr>
+          <p:nvPr>
+            <p:ph type="body" idx="1"/>
+          </p:nvPr>
+        </p:nvSpPr>
+        <p:spPr/>
+        <p:txBody>
+          <a:bodyPr/>
+          <a:lstStyle/>
+          <a:p>
+            <a:r>
+              <a:rPr lang="fr-CH" dirty="0" err="1"/>
+              <a:t>Regression</a:t>
+            </a:r>
+            <a:endParaRPr lang="fr-CH" dirty="0"/>
+          </a:p>
+        </p:txBody>
+      </p:sp>
+      <p:sp>
+        <p:nvSpPr>
+          <p:cNvPr id="6" name="Espace réservé du contenu 5">
+            <a:extLst>
+              <a:ext uri="{FF2B5EF4-FFF2-40B4-BE49-F238E27FC236}">
+                <a16:creationId xmlns:a16="http://schemas.microsoft.com/office/drawing/2014/main" xmlns="" id="{B30CF11E-AD12-482B-BDDE-B50196AF4C7F}"/>
+              </a:ext>
+            </a:extLst>
+          </p:cNvPr>
+          <p:cNvSpPr>
+            <a:spLocks noGrp="1"/>
+          </p:cNvSpPr>
+          <p:nvPr>
+            <p:ph sz="half" idx="2"/>
+          </p:nvPr>
+        </p:nvSpPr>
+        <p:spPr>
+          <a:xfrm>
+            <a:off x="1257300" y="2909102"/>
+            <a:ext cx="4800600" cy="3567898"/>
+          </a:xfrm>
+        </p:spPr>
+        <p:txBody>
+          <a:bodyPr>
+            <a:normAutofit lnSpcReduction="10000"/>
+          </a:bodyPr>
+          <a:lstStyle/>
+          <a:p>
+            <a:r>
+              <a:rPr lang="fr-CH" dirty="0"/>
+              <a:t>Régression linéaire (MCO)</a:t>
+            </a:r>
+          </a:p>
+          <a:p>
+            <a:r>
+              <a:rPr lang="fr-CH" dirty="0"/>
+              <a:t>Inputs</a:t>
+            </a:r>
+          </a:p>
+          <a:p>
+            <a:pPr lvl="1"/>
+            <a:r>
+              <a:rPr lang="fr-CH" dirty="0"/>
+              <a:t>Débits</a:t>
+            </a:r>
+          </a:p>
+          <a:p>
+            <a:pPr lvl="1"/>
+            <a:r>
+              <a:rPr lang="fr-CH" dirty="0"/>
+              <a:t>Température courante</a:t>
+            </a:r>
+          </a:p>
+          <a:p>
+            <a:pPr lvl="1"/>
+            <a:r>
+              <a:rPr lang="fr-CH" dirty="0"/>
+              <a:t>Pluie + 5 jours précédents</a:t>
+            </a:r>
+          </a:p>
+          <a:p>
+            <a:pPr lvl="1"/>
+            <a:r>
+              <a:rPr lang="fr-CH" dirty="0"/>
+              <a:t>Soleil ~ Heure</a:t>
+            </a:r>
+          </a:p>
+          <a:p>
+            <a:pPr lvl="1"/>
+            <a:r>
+              <a:rPr lang="fr-CH" dirty="0"/>
+              <a:t>Mois courant</a:t>
+            </a:r>
+          </a:p>
+          <a:p>
+            <a:r>
+              <a:rPr lang="fr-CH" dirty="0"/>
+              <a:t>Output</a:t>
+            </a:r>
+          </a:p>
+          <a:p>
+            <a:pPr lvl="1"/>
+            <a:r>
+              <a:rPr lang="fr-CH" dirty="0"/>
+              <a:t>Débits futurs</a:t>
+            </a:r>
+          </a:p>
+        </p:txBody>
+      </p:sp>
+      <p:sp>
+        <p:nvSpPr>
+          <p:cNvPr id="7" name="Espace réservé du texte 6">
+            <a:extLst>
+              <a:ext uri="{FF2B5EF4-FFF2-40B4-BE49-F238E27FC236}">
+                <a16:creationId xmlns:a16="http://schemas.microsoft.com/office/drawing/2014/main" xmlns="" id="{3073CAD3-7F50-4337-8CC6-323BEE93BFCC}"/>
+              </a:ext>
+            </a:extLst>
+          </p:cNvPr>
+          <p:cNvSpPr>
+            <a:spLocks noGrp="1"/>
+          </p:cNvSpPr>
+          <p:nvPr>
+            <p:ph type="body" sz="quarter" idx="3"/>
+          </p:nvPr>
+        </p:nvSpPr>
+        <p:spPr/>
+        <p:txBody>
+          <a:bodyPr/>
+          <a:lstStyle/>
+          <a:p>
+            <a:r>
+              <a:rPr lang="fr-CH" dirty="0"/>
+              <a:t>Machine Learning</a:t>
+            </a:r>
+          </a:p>
+        </p:txBody>
+      </p:sp>
+      <p:sp>
+        <p:nvSpPr>
+          <p:cNvPr id="8" name="Espace réservé du contenu 7">
+            <a:extLst>
+              <a:ext uri="{FF2B5EF4-FFF2-40B4-BE49-F238E27FC236}">
+                <a16:creationId xmlns:a16="http://schemas.microsoft.com/office/drawing/2014/main" xmlns="" id="{ECF6C482-E4F2-44F8-80BE-AF450BF95A76}"/>
+              </a:ext>
+            </a:extLst>
+          </p:cNvPr>
+          <p:cNvSpPr>
+            <a:spLocks noGrp="1"/>
+          </p:cNvSpPr>
+          <p:nvPr>
+            <p:ph sz="quarter" idx="4"/>
+          </p:nvPr>
+        </p:nvSpPr>
+        <p:spPr/>
+        <p:txBody>
+          <a:bodyPr>
+            <a:normAutofit/>
+          </a:bodyPr>
+          <a:lstStyle/>
+          <a:p>
+            <a:r>
+              <a:rPr lang="fr-CH" dirty="0"/>
+              <a:t>Réseau de neurones (CNN)</a:t>
+            </a:r>
+          </a:p>
+          <a:p>
+            <a:r>
+              <a:rPr lang="fr-CH" dirty="0"/>
+              <a:t>Inputs</a:t>
+            </a:r>
+          </a:p>
+          <a:p>
+            <a:pPr lvl="1"/>
+            <a:r>
+              <a:rPr lang="fr-CH" dirty="0"/>
+              <a:t>Débits 3 derniers jours flottant : modèle</a:t>
+            </a:r>
+          </a:p>
+          <a:p>
+            <a:pPr lvl="1"/>
+            <a:r>
+              <a:rPr lang="fr-CH" dirty="0"/>
+              <a:t>Température</a:t>
+            </a:r>
+          </a:p>
+          <a:p>
+            <a:pPr lvl="1"/>
+            <a:r>
+              <a:rPr lang="fr-CH" dirty="0"/>
+              <a:t>Pluie</a:t>
+            </a:r>
+          </a:p>
+          <a:p>
+            <a:r>
+              <a:rPr lang="fr-CH" dirty="0"/>
+              <a:t>Output</a:t>
+            </a:r>
+          </a:p>
+          <a:p>
+            <a:pPr lvl="1"/>
+            <a:r>
+              <a:rPr lang="fr-CH" dirty="0"/>
+              <a:t>¼ h de prédiction</a:t>
+            </a:r>
+          </a:p>
+        </p:txBody>
+      </p:sp>
+    </p:spTree>
+    <p:extLst>
+      <p:ext uri="{BB962C8B-B14F-4D97-AF65-F5344CB8AC3E}">
+        <p14:creationId xmlns:p14="http://schemas.microsoft.com/office/powerpoint/2010/main" val="1182570940"/>
       </p:ext>
     </p:extLst>
   </p:cSld>
@@ -7333,7 +7620,7 @@
           <p:cNvPr id="2" name="Titre 1">
             <a:extLst>
               <a:ext uri="{FF2B5EF4-FFF2-40B4-BE49-F238E27FC236}">
-                <a16:creationId xmlns:a16="http://schemas.microsoft.com/office/drawing/2014/main" id="{E5DA7DE7-BED2-47BC-95C5-6E142C0388BA}"/>
+                <a16:creationId xmlns:a16="http://schemas.microsoft.com/office/drawing/2014/main" xmlns="" id="{E5DA7DE7-BED2-47BC-95C5-6E142C0388BA}"/>
               </a:ext>
             </a:extLst>
           </p:cNvPr>
@@ -7368,7 +7655,7 @@
           <p:cNvPr id="5" name="Espace réservé du texte 4">
             <a:extLst>
               <a:ext uri="{FF2B5EF4-FFF2-40B4-BE49-F238E27FC236}">
-                <a16:creationId xmlns:a16="http://schemas.microsoft.com/office/drawing/2014/main" id="{215C5C36-D646-410E-B714-CDF2FD6743B6}"/>
+                <a16:creationId xmlns:a16="http://schemas.microsoft.com/office/drawing/2014/main" xmlns="" id="{215C5C36-D646-410E-B714-CDF2FD6743B6}"/>
               </a:ext>
             </a:extLst>
           </p:cNvPr>
@@ -7396,7 +7683,7 @@
           <p:cNvPr id="3" name="Espace réservé du contenu 2">
             <a:extLst>
               <a:ext uri="{FF2B5EF4-FFF2-40B4-BE49-F238E27FC236}">
-                <a16:creationId xmlns:a16="http://schemas.microsoft.com/office/drawing/2014/main" id="{2560E267-1B82-4ADB-ACB5-8A6C2F225CF4}"/>
+                <a16:creationId xmlns:a16="http://schemas.microsoft.com/office/drawing/2014/main" xmlns="" id="{2560E267-1B82-4ADB-ACB5-8A6C2F225CF4}"/>
               </a:ext>
             </a:extLst>
           </p:cNvPr>
@@ -7438,7 +7725,7 @@
           <p:cNvPr id="6" name="Espace réservé du texte 5">
             <a:extLst>
               <a:ext uri="{FF2B5EF4-FFF2-40B4-BE49-F238E27FC236}">
-                <a16:creationId xmlns:a16="http://schemas.microsoft.com/office/drawing/2014/main" id="{A844FCA5-2B9F-43A3-A9BD-AA0CBC76D9C0}"/>
+                <a16:creationId xmlns:a16="http://schemas.microsoft.com/office/drawing/2014/main" xmlns="" id="{A844FCA5-2B9F-43A3-A9BD-AA0CBC76D9C0}"/>
               </a:ext>
             </a:extLst>
           </p:cNvPr>
@@ -7466,7 +7753,7 @@
           <p:cNvPr id="7" name="Espace réservé du contenu 6">
             <a:extLst>
               <a:ext uri="{FF2B5EF4-FFF2-40B4-BE49-F238E27FC236}">
-                <a16:creationId xmlns:a16="http://schemas.microsoft.com/office/drawing/2014/main" id="{276B5964-0E57-476C-B3A6-D98455D844E6}"/>
+                <a16:creationId xmlns:a16="http://schemas.microsoft.com/office/drawing/2014/main" xmlns="" id="{276B5964-0E57-476C-B3A6-D98455D844E6}"/>
               </a:ext>
             </a:extLst>
           </p:cNvPr>
@@ -7543,7 +7830,7 @@
           <p:cNvPr id="9" name="Graphique 8" descr="Montagnes">
             <a:extLst>
               <a:ext uri="{FF2B5EF4-FFF2-40B4-BE49-F238E27FC236}">
-                <a16:creationId xmlns:a16="http://schemas.microsoft.com/office/drawing/2014/main" id="{969C0BFE-F844-4BA3-8518-521B0969E90F}"/>
+                <a16:creationId xmlns:a16="http://schemas.microsoft.com/office/drawing/2014/main" xmlns="" id="{969C0BFE-F844-4BA3-8518-521B0969E90F}"/>
               </a:ext>
             </a:extLst>
           </p:cNvPr>
@@ -7556,7 +7843,7 @@
           <a:blip r:embed="rId3">
             <a:extLst>
               <a:ext uri="{96DAC541-7B7A-43D3-8B79-37D633B846F1}">
-                <asvg:svgBlip xmlns:asvg="http://schemas.microsoft.com/office/drawing/2016/SVG/main" r:embed="rId4"/>
+                <asvg:svgBlip xmlns:asvg="http://schemas.microsoft.com/office/drawing/2016/SVG/main" xmlns="" r:embed="rId4"/>
               </a:ext>
             </a:extLst>
           </a:blip>
@@ -7579,7 +7866,7 @@
           <p:cNvPr id="11" name="Graphique 10" descr="Thermomètre">
             <a:extLst>
               <a:ext uri="{FF2B5EF4-FFF2-40B4-BE49-F238E27FC236}">
-                <a16:creationId xmlns:a16="http://schemas.microsoft.com/office/drawing/2014/main" id="{8297485B-1F96-4FFE-B76F-C661E9F6E32B}"/>
+                <a16:creationId xmlns:a16="http://schemas.microsoft.com/office/drawing/2014/main" xmlns="" id="{8297485B-1F96-4FFE-B76F-C661E9F6E32B}"/>
               </a:ext>
             </a:extLst>
           </p:cNvPr>
@@ -7592,7 +7879,7 @@
           <a:blip r:embed="rId5">
             <a:extLst>
               <a:ext uri="{96DAC541-7B7A-43D3-8B79-37D633B846F1}">
-                <asvg:svgBlip xmlns:asvg="http://schemas.microsoft.com/office/drawing/2016/SVG/main" r:embed="rId6"/>
+                <asvg:svgBlip xmlns:asvg="http://schemas.microsoft.com/office/drawing/2016/SVG/main" xmlns="" r:embed="rId6"/>
               </a:ext>
             </a:extLst>
           </a:blip>
@@ -7615,7 +7902,7 @@
           <p:cNvPr id="13" name="Graphique 12" descr="Thermomètre">
             <a:extLst>
               <a:ext uri="{FF2B5EF4-FFF2-40B4-BE49-F238E27FC236}">
-                <a16:creationId xmlns:a16="http://schemas.microsoft.com/office/drawing/2014/main" id="{A842C66D-6B08-4AB2-A410-5671E54D33C6}"/>
+                <a16:creationId xmlns:a16="http://schemas.microsoft.com/office/drawing/2014/main" xmlns="" id="{A842C66D-6B08-4AB2-A410-5671E54D33C6}"/>
               </a:ext>
             </a:extLst>
           </p:cNvPr>
@@ -7628,7 +7915,7 @@
           <a:blip r:embed="rId7">
             <a:extLst>
               <a:ext uri="{96DAC541-7B7A-43D3-8B79-37D633B846F1}">
-                <asvg:svgBlip xmlns:asvg="http://schemas.microsoft.com/office/drawing/2016/SVG/main" r:embed="rId8"/>
+                <asvg:svgBlip xmlns:asvg="http://schemas.microsoft.com/office/drawing/2016/SVG/main" xmlns="" r:embed="rId8"/>
               </a:ext>
             </a:extLst>
           </a:blip>
@@ -7651,7 +7938,7 @@
           <p:cNvPr id="14" name="Graphique 13" descr="Thermomètre">
             <a:extLst>
               <a:ext uri="{FF2B5EF4-FFF2-40B4-BE49-F238E27FC236}">
-                <a16:creationId xmlns:a16="http://schemas.microsoft.com/office/drawing/2014/main" id="{9B18519B-2859-46E4-ACA6-A8AD7CDC07FA}"/>
+                <a16:creationId xmlns:a16="http://schemas.microsoft.com/office/drawing/2014/main" xmlns="" id="{9B18519B-2859-46E4-ACA6-A8AD7CDC07FA}"/>
               </a:ext>
             </a:extLst>
           </p:cNvPr>
@@ -7664,7 +7951,7 @@
           <a:blip r:embed="rId9">
             <a:extLst>
               <a:ext uri="{96DAC541-7B7A-43D3-8B79-37D633B846F1}">
-                <asvg:svgBlip xmlns:asvg="http://schemas.microsoft.com/office/drawing/2016/SVG/main" r:embed="rId10"/>
+                <asvg:svgBlip xmlns:asvg="http://schemas.microsoft.com/office/drawing/2016/SVG/main" xmlns="" r:embed="rId10"/>
               </a:ext>
             </a:extLst>
           </a:blip>
@@ -7717,7 +8004,7 @@
           <p:cNvPr id="31" name="Image 30" descr="Une image contenant homme&#10;&#10;Description générée automatiquement">
             <a:extLst>
               <a:ext uri="{FF2B5EF4-FFF2-40B4-BE49-F238E27FC236}">
-                <a16:creationId xmlns:a16="http://schemas.microsoft.com/office/drawing/2014/main" id="{29F65028-DF03-4867-BB29-18F61390DAC7}"/>
+                <a16:creationId xmlns:a16="http://schemas.microsoft.com/office/drawing/2014/main" xmlns="" id="{29F65028-DF03-4867-BB29-18F61390DAC7}"/>
               </a:ext>
             </a:extLst>
           </p:cNvPr>
@@ -7744,51 +8031,10 @@
       </p:pic>
       <p:sp>
         <p:nvSpPr>
-          <p:cNvPr id="2" name="Titre 1">
-            <a:extLst>
-              <a:ext uri="{FF2B5EF4-FFF2-40B4-BE49-F238E27FC236}">
-                <a16:creationId xmlns:a16="http://schemas.microsoft.com/office/drawing/2014/main" id="{2351E1DC-BC28-441B-8DA3-F7724310796E}"/>
-              </a:ext>
-            </a:extLst>
-          </p:cNvPr>
-          <p:cNvSpPr>
-            <a:spLocks noGrp="1"/>
-          </p:cNvSpPr>
-          <p:nvPr>
-            <p:ph type="title"/>
-          </p:nvPr>
-        </p:nvSpPr>
-        <p:spPr>
-          <a:xfrm>
-            <a:off x="1252728" y="381000"/>
-            <a:ext cx="10602104" cy="1493517"/>
-          </a:xfrm>
-        </p:spPr>
-        <p:txBody>
-          <a:bodyPr/>
-          <a:lstStyle/>
-          <a:p>
-            <a:pPr algn="r"/>
-            <a:r>
-              <a:rPr lang="fr-CH" dirty="0"/>
-              <a:t>Résultats</a:t>
-            </a:r>
-            <a:br>
-              <a:rPr lang="fr-CH" dirty="0"/>
-            </a:br>
-            <a:r>
-              <a:rPr lang="fr-CH" dirty="0"/>
-              <a:t>précédents</a:t>
-            </a:r>
-          </a:p>
-        </p:txBody>
-      </p:sp>
-      <p:sp>
-        <p:nvSpPr>
           <p:cNvPr id="32" name="ZoneTexte 31">
             <a:extLst>
               <a:ext uri="{FF2B5EF4-FFF2-40B4-BE49-F238E27FC236}">
-                <a16:creationId xmlns:a16="http://schemas.microsoft.com/office/drawing/2014/main" id="{668515F3-357D-4BBF-A9FD-C0F5D3B7194D}"/>
+                <a16:creationId xmlns:a16="http://schemas.microsoft.com/office/drawing/2014/main" xmlns="" id="{668515F3-357D-4BBF-A9FD-C0F5D3B7194D}"/>
               </a:ext>
             </a:extLst>
           </p:cNvPr>
@@ -7797,7 +8043,7 @@
         </p:nvSpPr>
         <p:spPr>
           <a:xfrm>
-            <a:off x="9038804" y="2597543"/>
+            <a:off x="5351223" y="6367949"/>
             <a:ext cx="2613727" cy="369332"/>
           </a:xfrm>
           <a:prstGeom prst="rect">
@@ -7812,9 +8058,121 @@
           <a:lstStyle/>
           <a:p>
             <a:r>
-              <a:rPr lang="fr-CH" dirty="0"/>
-              <a:t>température</a:t>
-            </a:r>
+              <a:rPr lang="fr-CH" dirty="0" smtClean="0"/>
+              <a:t>°C</a:t>
+            </a:r>
+            <a:endParaRPr lang="fr-CH" dirty="0"/>
+          </a:p>
+        </p:txBody>
+      </p:sp>
+      <p:sp>
+        <p:nvSpPr>
+          <p:cNvPr id="6" name="ZoneTexte 31">
+            <a:extLst>
+              <a:ext uri="{FF2B5EF4-FFF2-40B4-BE49-F238E27FC236}">
+                <a16:creationId xmlns:a16="http://schemas.microsoft.com/office/drawing/2014/main" xmlns="" id="{668515F3-357D-4BBF-A9FD-C0F5D3B7194D}"/>
+              </a:ext>
+            </a:extLst>
+          </p:cNvPr>
+          <p:cNvSpPr txBox="1"/>
+          <p:nvPr/>
+        </p:nvSpPr>
+        <p:spPr>
+          <a:xfrm rot="16200000">
+            <a:off x="-957138" y="1738488"/>
+            <a:ext cx="2613727" cy="369332"/>
+          </a:xfrm>
+          <a:prstGeom prst="rect">
+            <a:avLst/>
+          </a:prstGeom>
+          <a:noFill/>
+        </p:spPr>
+        <p:txBody>
+          <a:bodyPr wrap="square" rtlCol="0">
+            <a:spAutoFit/>
+          </a:bodyPr>
+          <a:lstStyle/>
+          <a:p>
+            <a:r>
+              <a:rPr lang="fr-CH" dirty="0" smtClean="0"/>
+              <a:t>m3</a:t>
+            </a:r>
+            <a:r>
+              <a:rPr lang="en-US" dirty="0" smtClean="0"/>
+              <a:t>/s</a:t>
+            </a:r>
+            <a:endParaRPr lang="fr-CH" dirty="0"/>
+          </a:p>
+        </p:txBody>
+      </p:sp>
+      <p:sp>
+        <p:nvSpPr>
+          <p:cNvPr id="7" name="ZoneTexte 31">
+            <a:extLst>
+              <a:ext uri="{FF2B5EF4-FFF2-40B4-BE49-F238E27FC236}">
+                <a16:creationId xmlns:a16="http://schemas.microsoft.com/office/drawing/2014/main" xmlns="" id="{668515F3-357D-4BBF-A9FD-C0F5D3B7194D}"/>
+              </a:ext>
+            </a:extLst>
+          </p:cNvPr>
+          <p:cNvSpPr txBox="1"/>
+          <p:nvPr/>
+        </p:nvSpPr>
+        <p:spPr>
+          <a:xfrm>
+            <a:off x="9221184" y="707886"/>
+            <a:ext cx="2613727" cy="707886"/>
+          </a:xfrm>
+          <a:prstGeom prst="rect">
+            <a:avLst/>
+          </a:prstGeom>
+          <a:noFill/>
+        </p:spPr>
+        <p:txBody>
+          <a:bodyPr wrap="square" rtlCol="0">
+            <a:spAutoFit/>
+          </a:bodyPr>
+          <a:lstStyle/>
+          <a:p>
+            <a:r>
+              <a:rPr lang="fr-CH" sz="4000" b="1" dirty="0" smtClean="0"/>
+              <a:t>T</a:t>
+            </a:r>
+          </a:p>
+        </p:txBody>
+      </p:sp>
+      <p:sp>
+        <p:nvSpPr>
+          <p:cNvPr id="8" name="ZoneTexte 31">
+            <a:extLst>
+              <a:ext uri="{FF2B5EF4-FFF2-40B4-BE49-F238E27FC236}">
+                <a16:creationId xmlns:a16="http://schemas.microsoft.com/office/drawing/2014/main" xmlns="" id="{668515F3-357D-4BBF-A9FD-C0F5D3B7194D}"/>
+              </a:ext>
+            </a:extLst>
+          </p:cNvPr>
+          <p:cNvSpPr txBox="1"/>
+          <p:nvPr/>
+        </p:nvSpPr>
+        <p:spPr>
+          <a:xfrm>
+            <a:off x="9221183" y="0"/>
+            <a:ext cx="2613727" cy="707886"/>
+          </a:xfrm>
+          <a:prstGeom prst="rect">
+            <a:avLst/>
+          </a:prstGeom>
+          <a:noFill/>
+        </p:spPr>
+        <p:txBody>
+          <a:bodyPr wrap="square" rtlCol="0">
+            <a:spAutoFit/>
+          </a:bodyPr>
+          <a:lstStyle/>
+          <a:p>
+            <a:r>
+              <a:rPr lang="fr-CH" sz="4000" dirty="0" smtClean="0"/>
+              <a:t>Variables</a:t>
+            </a:r>
+            <a:endParaRPr lang="fr-CH" sz="4000" dirty="0" smtClean="0"/>
           </a:p>
         </p:txBody>
       </p:sp>
@@ -7848,37 +8206,146 @@
           <a:chExt cx="0" cy="0"/>
         </a:xfrm>
       </p:grpSpPr>
-      <p:sp>
-        <p:nvSpPr>
-          <p:cNvPr id="2" name="Titre 1">
+      <p:pic>
+        <p:nvPicPr>
+          <p:cNvPr id="3" name="Content Placeholder 4" descr="A screenshot of a cell phone&#10;&#10;Description automatically generated">
             <a:extLst>
               <a:ext uri="{FF2B5EF4-FFF2-40B4-BE49-F238E27FC236}">
-                <a16:creationId xmlns:a16="http://schemas.microsoft.com/office/drawing/2014/main" id="{2351E1DC-BC28-441B-8DA3-F7724310796E}"/>
+                <a16:creationId xmlns:a16="http://schemas.microsoft.com/office/drawing/2014/main" xmlns:lc="http://schemas.openxmlformats.org/drawingml/2006/lockedCanvas" xmlns="" id="{89854820-7B79-4C54-9321-D653929C22D3}"/>
               </a:ext>
             </a:extLst>
           </p:cNvPr>
-          <p:cNvSpPr>
-            <a:spLocks noGrp="1"/>
-          </p:cNvSpPr>
-          <p:nvPr>
-            <p:ph type="title"/>
-          </p:nvPr>
-        </p:nvSpPr>
+          <p:cNvPicPr>
+            <a:picLocks noGrp="1" noChangeAspect="1"/>
+          </p:cNvPicPr>
+          <p:nvPr/>
+        </p:nvPicPr>
+        <p:blipFill>
+          <a:blip r:embed="rId2">
+            <a:extLst>
+              <a:ext uri="{28A0092B-C50C-407E-A947-70E740481C1C}">
+                <a14:useLocalDpi xmlns:a14="http://schemas.microsoft.com/office/drawing/2010/main" val="0"/>
+              </a:ext>
+            </a:extLst>
+          </a:blip>
+          <a:stretch>
+            <a:fillRect/>
+          </a:stretch>
+        </p:blipFill>
         <p:spPr>
           <a:xfrm>
-            <a:off x="1252728" y="381000"/>
-            <a:ext cx="10172700" cy="1493517"/>
+            <a:off x="6218731" y="1428877"/>
+            <a:ext cx="5850538" cy="4351338"/>
           </a:xfrm>
+          <a:prstGeom prst="rect">
+            <a:avLst/>
+          </a:prstGeom>
         </p:spPr>
-        <p:txBody>
-          <a:bodyPr/>
+      </p:pic>
+      <p:pic>
+        <p:nvPicPr>
+          <p:cNvPr id="4" name="Picture 3" descr="A picture containing man&#10;&#10;Description automatically generated">
+            <a:extLst>
+              <a:ext uri="{FF2B5EF4-FFF2-40B4-BE49-F238E27FC236}">
+                <a16:creationId xmlns:a16="http://schemas.microsoft.com/office/drawing/2014/main" xmlns:lc="http://schemas.openxmlformats.org/drawingml/2006/lockedCanvas" xmlns="" id="{00DB70D8-DBEA-4931-94C9-BBD6FEAFEA75}"/>
+              </a:ext>
+            </a:extLst>
+          </p:cNvPr>
+          <p:cNvPicPr>
+            <a:picLocks noChangeAspect="1"/>
+          </p:cNvPicPr>
+          <p:nvPr/>
+        </p:nvPicPr>
+        <p:blipFill>
+          <a:blip r:embed="rId3">
+            <a:extLst>
+              <a:ext uri="{28A0092B-C50C-407E-A947-70E740481C1C}">
+                <a14:useLocalDpi xmlns:a14="http://schemas.microsoft.com/office/drawing/2010/main" val="0"/>
+              </a:ext>
+            </a:extLst>
+          </a:blip>
+          <a:stretch>
+            <a:fillRect/>
+          </a:stretch>
+        </p:blipFill>
+        <p:spPr>
+          <a:xfrm>
+            <a:off x="122731" y="898747"/>
+            <a:ext cx="6804041" cy="5060506"/>
+          </a:xfrm>
+          <a:prstGeom prst="rect">
+            <a:avLst/>
+          </a:prstGeom>
+        </p:spPr>
+      </p:pic>
+      <p:sp>
+        <p:nvSpPr>
+          <p:cNvPr id="6" name="ZoneTexte 31">
+            <a:extLst>
+              <a:ext uri="{FF2B5EF4-FFF2-40B4-BE49-F238E27FC236}">
+                <a16:creationId xmlns:a16="http://schemas.microsoft.com/office/drawing/2014/main" xmlns="" id="{668515F3-357D-4BBF-A9FD-C0F5D3B7194D}"/>
+              </a:ext>
+            </a:extLst>
+          </p:cNvPr>
+          <p:cNvSpPr txBox="1"/>
+          <p:nvPr/>
+        </p:nvSpPr>
+        <p:spPr>
+          <a:xfrm>
+            <a:off x="9221184" y="707886"/>
+            <a:ext cx="2613727" cy="707886"/>
+          </a:xfrm>
+          <a:prstGeom prst="rect">
+            <a:avLst/>
+          </a:prstGeom>
+          <a:noFill/>
+        </p:spPr>
+        <p:txBody>
+          <a:bodyPr wrap="square" rtlCol="0">
+            <a:spAutoFit/>
+          </a:bodyPr>
           <a:lstStyle/>
           <a:p>
-            <a:pPr algn="r"/>
-            <a:r>
-              <a:rPr lang="fr-CH" dirty="0"/>
-              <a:t>Résultats</a:t>
-            </a:r>
+            <a:r>
+              <a:rPr lang="fr-CH" sz="4000" b="1" dirty="0" smtClean="0"/>
+              <a:t>T</a:t>
+            </a:r>
+          </a:p>
+        </p:txBody>
+      </p:sp>
+      <p:sp>
+        <p:nvSpPr>
+          <p:cNvPr id="7" name="ZoneTexte 31">
+            <a:extLst>
+              <a:ext uri="{FF2B5EF4-FFF2-40B4-BE49-F238E27FC236}">
+                <a16:creationId xmlns:a16="http://schemas.microsoft.com/office/drawing/2014/main" xmlns="" id="{668515F3-357D-4BBF-A9FD-C0F5D3B7194D}"/>
+              </a:ext>
+            </a:extLst>
+          </p:cNvPr>
+          <p:cNvSpPr txBox="1"/>
+          <p:nvPr/>
+        </p:nvSpPr>
+        <p:spPr>
+          <a:xfrm>
+            <a:off x="9221183" y="0"/>
+            <a:ext cx="2613727" cy="707886"/>
+          </a:xfrm>
+          <a:prstGeom prst="rect">
+            <a:avLst/>
+          </a:prstGeom>
+          <a:noFill/>
+        </p:spPr>
+        <p:txBody>
+          <a:bodyPr wrap="square" rtlCol="0">
+            <a:spAutoFit/>
+          </a:bodyPr>
+          <a:lstStyle/>
+          <a:p>
+            <a:r>
+              <a:rPr lang="fr-CH" sz="4000" dirty="0" smtClean="0"/>
+              <a:t>Variables</a:t>
+            </a:r>
+            <a:endParaRPr lang="fr-CH" sz="4000" dirty="0" smtClean="0"/>
           </a:p>
         </p:txBody>
       </p:sp>
@@ -7912,46 +8379,48 @@
           <a:chExt cx="0" cy="0"/>
         </a:xfrm>
       </p:grpSpPr>
-      <p:sp>
-        <p:nvSpPr>
-          <p:cNvPr id="2" name="Titre 1">
+      <p:pic>
+        <p:nvPicPr>
+          <p:cNvPr id="3" name="Content Placeholder 4" descr="A screenshot of a cell phone&#10;&#10;Description automatically generated">
             <a:extLst>
               <a:ext uri="{FF2B5EF4-FFF2-40B4-BE49-F238E27FC236}">
-                <a16:creationId xmlns:a16="http://schemas.microsoft.com/office/drawing/2014/main" id="{2351E1DC-BC28-441B-8DA3-F7724310796E}"/>
+                <a16:creationId xmlns:a16="http://schemas.microsoft.com/office/drawing/2014/main" xmlns:lc="http://schemas.openxmlformats.org/drawingml/2006/lockedCanvas" xmlns="" id="{89854820-7B79-4C54-9321-D653929C22D3}"/>
               </a:ext>
             </a:extLst>
           </p:cNvPr>
-          <p:cNvSpPr>
-            <a:spLocks noGrp="1"/>
-          </p:cNvSpPr>
-          <p:nvPr>
-            <p:ph type="title"/>
-          </p:nvPr>
-        </p:nvSpPr>
+          <p:cNvPicPr>
+            <a:picLocks noGrp="1" noChangeAspect="1"/>
+          </p:cNvPicPr>
+          <p:nvPr/>
+        </p:nvPicPr>
+        <p:blipFill>
+          <a:blip r:embed="rId2">
+            <a:extLst>
+              <a:ext uri="{28A0092B-C50C-407E-A947-70E740481C1C}">
+                <a14:useLocalDpi xmlns:a14="http://schemas.microsoft.com/office/drawing/2010/main" val="0"/>
+              </a:ext>
+            </a:extLst>
+          </a:blip>
+          <a:stretch>
+            <a:fillRect/>
+          </a:stretch>
+        </p:blipFill>
         <p:spPr>
           <a:xfrm>
-            <a:off x="1252728" y="381000"/>
-            <a:ext cx="10172700" cy="1493517"/>
+            <a:off x="6218731" y="1428877"/>
+            <a:ext cx="5850538" cy="4351338"/>
           </a:xfrm>
+          <a:prstGeom prst="rect">
+            <a:avLst/>
+          </a:prstGeom>
         </p:spPr>
-        <p:txBody>
-          <a:bodyPr/>
-          <a:lstStyle/>
-          <a:p>
-            <a:pPr algn="r"/>
-            <a:r>
-              <a:rPr lang="fr-CH" dirty="0"/>
-              <a:t>Résultats</a:t>
-            </a:r>
-          </a:p>
-        </p:txBody>
-      </p:sp>
+      </p:pic>
       <p:pic>
         <p:nvPicPr>
-          <p:cNvPr id="14" name="Image 13">
+          <p:cNvPr id="4" name="Picture 3" descr="A picture containing man&#10;&#10;Description automatically generated">
             <a:extLst>
               <a:ext uri="{FF2B5EF4-FFF2-40B4-BE49-F238E27FC236}">
-                <a16:creationId xmlns:a16="http://schemas.microsoft.com/office/drawing/2014/main" id="{76C970A2-00C7-4A7D-A5C4-E686B66CD242}"/>
+                <a16:creationId xmlns:a16="http://schemas.microsoft.com/office/drawing/2014/main" xmlns:lc="http://schemas.openxmlformats.org/drawingml/2006/lockedCanvas" xmlns="" id="{00DB70D8-DBEA-4931-94C9-BBD6FEAFEA75}"/>
               </a:ext>
             </a:extLst>
           </p:cNvPr>
@@ -7961,50 +8430,10 @@
           <p:nvPr/>
         </p:nvPicPr>
         <p:blipFill>
-          <a:blip r:embed="rId2">
+          <a:blip r:embed="rId3">
             <a:extLst>
-              <a:ext uri="{BEBA8EAE-BF5A-486C-A8C5-ECC9F3942E4B}">
-                <a14:imgProps xmlns:a14="http://schemas.microsoft.com/office/drawing/2010/main">
-                  <a14:imgLayer r:embed="rId3">
-                    <a14:imgEffect>
-                      <a14:backgroundRemoval t="8565" b="89931" l="8971" r="92260">
-                        <a14:foregroundMark x1="12313" y1="12847" x2="12313" y2="12847"/>
-                        <a14:foregroundMark x1="13456" y1="79630" x2="12049" y2="79630"/>
-                        <a14:foregroundMark x1="12577" y1="14815" x2="14072" y2="38426"/>
-                        <a14:foregroundMark x1="14072" y1="38426" x2="12577" y2="78588"/>
-                        <a14:foregroundMark x1="11522" y1="16551" x2="10818" y2="83565"/>
-                        <a14:foregroundMark x1="10202" y1="13310" x2="8707" y2="77894"/>
-                        <a14:foregroundMark x1="8707" y1="77894" x2="10642" y2="85185"/>
-                        <a14:foregroundMark x1="10642" y1="85185" x2="46790" y2="86806"/>
-                        <a14:foregroundMark x1="46790" y1="86806" x2="57696" y2="86574"/>
-                        <a14:foregroundMark x1="57696" y1="86574" x2="72911" y2="86574"/>
-                        <a14:foregroundMark x1="72911" y1="86574" x2="92084" y2="81944"/>
-                        <a14:foregroundMark x1="89798" y1="84259" x2="10114" y2="87153"/>
-                        <a14:foregroundMark x1="10554" y1="12153" x2="26737" y2="9259"/>
-                        <a14:foregroundMark x1="26737" y1="9259" x2="32454" y2="9259"/>
-                        <a14:foregroundMark x1="32454" y1="9259" x2="49780" y2="8565"/>
-                        <a14:foregroundMark x1="49780" y1="8565" x2="90237" y2="12269"/>
-                        <a14:foregroundMark x1="91733" y1="11806" x2="90853" y2="83449"/>
-                        <a14:foregroundMark x1="91557" y1="12731" x2="81091" y2="11574"/>
-                        <a14:foregroundMark x1="77573" y1="9606" x2="91117" y2="11921"/>
-                        <a14:foregroundMark x1="91117" y1="11921" x2="91821" y2="13194"/>
-                        <a14:foregroundMark x1="8971" y1="17245" x2="9499" y2="52778"/>
-                        <a14:foregroundMark x1="79859" y1="85301" x2="72296" y2="85764"/>
-                        <a14:foregroundMark x1="11346" y1="87269" x2="25154" y2="87616"/>
-                        <a14:foregroundMark x1="25154" y1="87616" x2="31574" y2="87384"/>
-                        <a14:foregroundMark x1="31574" y1="87384" x2="37291" y2="87616"/>
-                        <a14:foregroundMark x1="37291" y1="87616" x2="43536" y2="87037"/>
-                        <a14:foregroundMark x1="43536" y1="87037" x2="62181" y2="87037"/>
-                        <a14:foregroundMark x1="62181" y1="87037" x2="81091" y2="85764"/>
-                        <a14:foregroundMark x1="81091" y1="85764" x2="81354" y2="85764"/>
-                        <a14:foregroundMark x1="76165" y1="86574" x2="73527" y2="87963"/>
-                        <a14:foregroundMark x1="89710" y1="10648" x2="92260" y2="13426"/>
-                        <a14:foregroundMark x1="77661" y1="86690" x2="70624" y2="87963"/>
-                        <a14:foregroundMark x1="68426" y1="87963" x2="62005" y2="87963"/>
-                      </a14:backgroundRemoval>
-                    </a14:imgEffect>
-                  </a14:imgLayer>
-                </a14:imgProps>
+              <a:ext uri="{28A0092B-C50C-407E-A947-70E740481C1C}">
+                <a14:useLocalDpi xmlns:a14="http://schemas.microsoft.com/office/drawing/2010/main" val="0"/>
               </a:ext>
             </a:extLst>
           </a:blip>
@@ -8014,138 +8443,125 @@
         </p:blipFill>
         <p:spPr>
           <a:xfrm>
-            <a:off x="167426" y="491771"/>
-            <a:ext cx="9138414" cy="6944231"/>
+            <a:off x="122731" y="898747"/>
+            <a:ext cx="6804041" cy="5060506"/>
           </a:xfrm>
           <a:prstGeom prst="rect">
             <a:avLst/>
           </a:prstGeom>
         </p:spPr>
       </p:pic>
-      <p:pic>
-        <p:nvPicPr>
-          <p:cNvPr id="16" name="Image 15" descr="Une image contenant capture d’écran&#10;&#10;Description générée automatiquement">
+      <p:sp>
+        <p:nvSpPr>
+          <p:cNvPr id="6" name="ZoneTexte 31">
             <a:extLst>
               <a:ext uri="{FF2B5EF4-FFF2-40B4-BE49-F238E27FC236}">
-                <a16:creationId xmlns:a16="http://schemas.microsoft.com/office/drawing/2014/main" id="{A30D18C5-5268-45DB-B754-11C5BFE47E0E}"/>
+                <a16:creationId xmlns:a16="http://schemas.microsoft.com/office/drawing/2014/main" xmlns="" id="{668515F3-357D-4BBF-A9FD-C0F5D3B7194D}"/>
               </a:ext>
             </a:extLst>
           </p:cNvPr>
-          <p:cNvPicPr>
-            <a:picLocks noChangeAspect="1"/>
-          </p:cNvPicPr>
+          <p:cNvSpPr txBox="1"/>
           <p:nvPr/>
-        </p:nvPicPr>
-        <p:blipFill>
-          <a:blip r:embed="rId4"/>
-          <a:stretch>
-            <a:fillRect/>
-          </a:stretch>
-        </p:blipFill>
+        </p:nvSpPr>
         <p:spPr>
           <a:xfrm>
-            <a:off x="3169914" y="1252723"/>
-            <a:ext cx="5852172" cy="4352553"/>
+            <a:off x="9221184" y="707886"/>
+            <a:ext cx="2613727" cy="707886"/>
           </a:xfrm>
           <a:prstGeom prst="rect">
             <a:avLst/>
           </a:prstGeom>
+          <a:noFill/>
         </p:spPr>
-      </p:pic>
-      <p:pic>
-        <p:nvPicPr>
-          <p:cNvPr id="20" name="Image 19">
+        <p:txBody>
+          <a:bodyPr wrap="square" rtlCol="0">
+            <a:spAutoFit/>
+          </a:bodyPr>
+          <a:lstStyle/>
+          <a:p>
+            <a:r>
+              <a:rPr lang="fr-CH" sz="4000" b="1" dirty="0" smtClean="0"/>
+              <a:t>T</a:t>
+            </a:r>
+          </a:p>
+        </p:txBody>
+      </p:sp>
+      <p:sp>
+        <p:nvSpPr>
+          <p:cNvPr id="7" name="ZoneTexte 31">
             <a:extLst>
               <a:ext uri="{FF2B5EF4-FFF2-40B4-BE49-F238E27FC236}">
-                <a16:creationId xmlns:a16="http://schemas.microsoft.com/office/drawing/2014/main" id="{C77E22C2-7E09-4370-A370-19AC14EB829F}"/>
+                <a16:creationId xmlns:a16="http://schemas.microsoft.com/office/drawing/2014/main" xmlns="" id="{668515F3-357D-4BBF-A9FD-C0F5D3B7194D}"/>
               </a:ext>
             </a:extLst>
           </p:cNvPr>
-          <p:cNvPicPr>
-            <a:picLocks noChangeAspect="1"/>
-          </p:cNvPicPr>
+          <p:cNvSpPr txBox="1"/>
           <p:nvPr/>
-        </p:nvPicPr>
-        <p:blipFill>
-          <a:blip r:embed="rId5"/>
-          <a:stretch>
-            <a:fillRect/>
-          </a:stretch>
-        </p:blipFill>
+        </p:nvSpPr>
         <p:spPr>
           <a:xfrm>
-            <a:off x="3319914" y="1402723"/>
-            <a:ext cx="5852172" cy="4352553"/>
+            <a:off x="9221183" y="0"/>
+            <a:ext cx="2613727" cy="707886"/>
           </a:xfrm>
           <a:prstGeom prst="rect">
             <a:avLst/>
           </a:prstGeom>
+          <a:noFill/>
         </p:spPr>
-      </p:pic>
-      <p:pic>
-        <p:nvPicPr>
-          <p:cNvPr id="24" name="Image 23" descr="Une image contenant capture d’écran&#10;&#10;Description générée automatiquement">
+        <p:txBody>
+          <a:bodyPr wrap="square" rtlCol="0">
+            <a:spAutoFit/>
+          </a:bodyPr>
+          <a:lstStyle/>
+          <a:p>
+            <a:r>
+              <a:rPr lang="fr-CH" sz="4000" dirty="0" smtClean="0"/>
+              <a:t>Variables</a:t>
+            </a:r>
+            <a:endParaRPr lang="fr-CH" sz="4000" dirty="0" smtClean="0"/>
+          </a:p>
+        </p:txBody>
+      </p:sp>
+      <p:sp>
+        <p:nvSpPr>
+          <p:cNvPr id="8" name="ZoneTexte 31">
             <a:extLst>
               <a:ext uri="{FF2B5EF4-FFF2-40B4-BE49-F238E27FC236}">
-                <a16:creationId xmlns:a16="http://schemas.microsoft.com/office/drawing/2014/main" id="{4A44EFB0-8CC6-4DFA-93B4-B6F3ABE383BE}"/>
+                <a16:creationId xmlns:a16="http://schemas.microsoft.com/office/drawing/2014/main" xmlns="" id="{668515F3-357D-4BBF-A9FD-C0F5D3B7194D}"/>
               </a:ext>
             </a:extLst>
           </p:cNvPr>
-          <p:cNvPicPr>
-            <a:picLocks noChangeAspect="1"/>
-          </p:cNvPicPr>
+          <p:cNvSpPr txBox="1"/>
           <p:nvPr/>
-        </p:nvPicPr>
-        <p:blipFill>
-          <a:blip r:embed="rId6"/>
-          <a:stretch>
-            <a:fillRect/>
-          </a:stretch>
-        </p:blipFill>
+        </p:nvSpPr>
         <p:spPr>
           <a:xfrm>
-            <a:off x="2637808" y="898926"/>
-            <a:ext cx="7516383" cy="5660147"/>
+            <a:off x="9221184" y="1280860"/>
+            <a:ext cx="2613727" cy="707886"/>
           </a:xfrm>
           <a:prstGeom prst="rect">
             <a:avLst/>
           </a:prstGeom>
+          <a:noFill/>
         </p:spPr>
-      </p:pic>
-      <p:pic>
-        <p:nvPicPr>
-          <p:cNvPr id="31" name="Image 30" descr="Une image contenant homme&#10;&#10;Description générée automatiquement">
-            <a:extLst>
-              <a:ext uri="{FF2B5EF4-FFF2-40B4-BE49-F238E27FC236}">
-                <a16:creationId xmlns:a16="http://schemas.microsoft.com/office/drawing/2014/main" id="{29F65028-DF03-4867-BB29-18F61390DAC7}"/>
-              </a:ext>
-            </a:extLst>
-          </p:cNvPr>
-          <p:cNvPicPr>
-            <a:picLocks noChangeAspect="1"/>
-          </p:cNvPicPr>
-          <p:nvPr/>
-        </p:nvPicPr>
-        <p:blipFill>
-          <a:blip r:embed="rId7"/>
-          <a:stretch>
-            <a:fillRect/>
-          </a:stretch>
-        </p:blipFill>
-        <p:spPr>
-          <a:xfrm>
-            <a:off x="3619914" y="1702723"/>
-            <a:ext cx="5852172" cy="4352553"/>
-          </a:xfrm>
-          <a:prstGeom prst="rect">
-            <a:avLst/>
-          </a:prstGeom>
-        </p:spPr>
-      </p:pic>
+        <p:txBody>
+          <a:bodyPr wrap="square" rtlCol="0">
+            <a:spAutoFit/>
+          </a:bodyPr>
+          <a:lstStyle/>
+          <a:p>
+            <a:r>
+              <a:rPr lang="fr-CH" sz="4000" b="1" dirty="0" err="1" smtClean="0"/>
+              <a:t>month</a:t>
+            </a:r>
+            <a:endParaRPr lang="fr-CH" sz="4000" b="1" dirty="0" smtClean="0"/>
+          </a:p>
+        </p:txBody>
+      </p:sp>
     </p:spTree>
     <p:extLst>
       <p:ext uri="{BB962C8B-B14F-4D97-AF65-F5344CB8AC3E}">
-        <p14:creationId xmlns:p14="http://schemas.microsoft.com/office/powerpoint/2010/main" val="2040670363"/>
+        <p14:creationId xmlns:p14="http://schemas.microsoft.com/office/powerpoint/2010/main" val="2322375267"/>
       </p:ext>
     </p:extLst>
   </p:cSld>
@@ -8172,238 +8588,337 @@
           <a:chExt cx="0" cy="0"/>
         </a:xfrm>
       </p:grpSpPr>
-      <p:sp>
-        <p:nvSpPr>
-          <p:cNvPr id="2" name="Titre 1">
+      <p:pic>
+        <p:nvPicPr>
+          <p:cNvPr id="3" name="Content Placeholder 4" descr="A screenshot of a cell phone&#10;&#10;Description automatically generated">
             <a:extLst>
               <a:ext uri="{FF2B5EF4-FFF2-40B4-BE49-F238E27FC236}">
-                <a16:creationId xmlns:a16="http://schemas.microsoft.com/office/drawing/2014/main" id="{E5DA7DE7-BED2-47BC-95C5-6E142C0388BA}"/>
+                <a16:creationId xmlns:a16="http://schemas.microsoft.com/office/drawing/2014/main" xmlns:lc="http://schemas.openxmlformats.org/drawingml/2006/lockedCanvas" xmlns="" id="{89854820-7B79-4C54-9321-D653929C22D3}"/>
               </a:ext>
             </a:extLst>
           </p:cNvPr>
-          <p:cNvSpPr>
-            <a:spLocks noGrp="1"/>
-          </p:cNvSpPr>
-          <p:nvPr>
-            <p:ph type="title"/>
-          </p:nvPr>
-        </p:nvSpPr>
-        <p:spPr/>
-        <p:txBody>
-          <a:bodyPr/>
-          <a:lstStyle/>
-          <a:p>
-            <a:r>
-              <a:rPr lang="fr-CH" dirty="0"/>
-              <a:t>Challenge </a:t>
-            </a:r>
-            <a:r>
-              <a:rPr lang="fr-CH" dirty="0" err="1"/>
-              <a:t>Reminder</a:t>
-            </a:r>
-            <a:r>
-              <a:rPr lang="fr-CH" dirty="0"/>
-              <a:t>:</a:t>
-            </a:r>
-            <a:br>
-              <a:rPr lang="fr-CH" dirty="0"/>
-            </a:br>
-            <a:r>
-              <a:rPr lang="fr-CH" dirty="0" err="1"/>
-              <a:t>Predict</a:t>
-            </a:r>
-            <a:r>
-              <a:rPr lang="fr-CH" dirty="0"/>
-              <a:t> Water Flow Rate</a:t>
-            </a:r>
-          </a:p>
-        </p:txBody>
-      </p:sp>
-      <p:sp>
-        <p:nvSpPr>
-          <p:cNvPr id="5" name="Espace réservé du texte 4">
+          <p:cNvPicPr>
+            <a:picLocks noGrp="1" noChangeAspect="1"/>
+          </p:cNvPicPr>
+          <p:nvPr/>
+        </p:nvPicPr>
+        <p:blipFill>
+          <a:blip r:embed="rId2">
+            <a:extLst>
+              <a:ext uri="{28A0092B-C50C-407E-A947-70E740481C1C}">
+                <a14:useLocalDpi xmlns:a14="http://schemas.microsoft.com/office/drawing/2010/main" val="0"/>
+              </a:ext>
+            </a:extLst>
+          </a:blip>
+          <a:stretch>
+            <a:fillRect/>
+          </a:stretch>
+        </p:blipFill>
+        <p:spPr>
+          <a:xfrm>
+            <a:off x="6201683" y="1415772"/>
+            <a:ext cx="5850538" cy="4351338"/>
+          </a:xfrm>
+          <a:prstGeom prst="rect">
+            <a:avLst/>
+          </a:prstGeom>
+        </p:spPr>
+      </p:pic>
+      <p:pic>
+        <p:nvPicPr>
+          <p:cNvPr id="4" name="Picture 3" descr="A picture containing man&#10;&#10;Description automatically generated">
             <a:extLst>
               <a:ext uri="{FF2B5EF4-FFF2-40B4-BE49-F238E27FC236}">
-                <a16:creationId xmlns:a16="http://schemas.microsoft.com/office/drawing/2014/main" id="{215C5C36-D646-410E-B714-CDF2FD6743B6}"/>
+                <a16:creationId xmlns:a16="http://schemas.microsoft.com/office/drawing/2014/main" xmlns:lc="http://schemas.openxmlformats.org/drawingml/2006/lockedCanvas" xmlns="" id="{00DB70D8-DBEA-4931-94C9-BBD6FEAFEA75}"/>
               </a:ext>
             </a:extLst>
           </p:cNvPr>
-          <p:cNvSpPr>
-            <a:spLocks noGrp="1"/>
-          </p:cNvSpPr>
-          <p:nvPr>
-            <p:ph type="body" idx="1"/>
-          </p:nvPr>
-        </p:nvSpPr>
-        <p:spPr/>
-        <p:txBody>
-          <a:bodyPr/>
-          <a:lstStyle/>
-          <a:p>
-            <a:r>
-              <a:rPr lang="fr-CH" dirty="0"/>
-              <a:t>Actuellement</a:t>
-            </a:r>
-          </a:p>
-        </p:txBody>
-      </p:sp>
-      <p:sp>
-        <p:nvSpPr>
-          <p:cNvPr id="3" name="Espace réservé du contenu 2">
+          <p:cNvPicPr>
+            <a:picLocks noChangeAspect="1"/>
+          </p:cNvPicPr>
+          <p:nvPr/>
+        </p:nvPicPr>
+        <p:blipFill>
+          <a:blip r:embed="rId3">
+            <a:extLst>
+              <a:ext uri="{28A0092B-C50C-407E-A947-70E740481C1C}">
+                <a14:useLocalDpi xmlns:a14="http://schemas.microsoft.com/office/drawing/2010/main" val="0"/>
+              </a:ext>
+            </a:extLst>
+          </a:blip>
+          <a:stretch>
+            <a:fillRect/>
+          </a:stretch>
+        </p:blipFill>
+        <p:spPr>
+          <a:xfrm>
+            <a:off x="122731" y="898747"/>
+            <a:ext cx="6804041" cy="5060506"/>
+          </a:xfrm>
+          <a:prstGeom prst="rect">
+            <a:avLst/>
+          </a:prstGeom>
+        </p:spPr>
+      </p:pic>
+      <p:sp>
+        <p:nvSpPr>
+          <p:cNvPr id="6" name="ZoneTexte 31">
             <a:extLst>
               <a:ext uri="{FF2B5EF4-FFF2-40B4-BE49-F238E27FC236}">
-                <a16:creationId xmlns:a16="http://schemas.microsoft.com/office/drawing/2014/main" id="{2560E267-1B82-4ADB-ACB5-8A6C2F225CF4}"/>
+                <a16:creationId xmlns:a16="http://schemas.microsoft.com/office/drawing/2014/main" xmlns="" id="{668515F3-357D-4BBF-A9FD-C0F5D3B7194D}"/>
               </a:ext>
             </a:extLst>
           </p:cNvPr>
-          <p:cNvSpPr>
-            <a:spLocks noGrp="1"/>
-          </p:cNvSpPr>
-          <p:nvPr>
-            <p:ph sz="half" idx="2"/>
-          </p:nvPr>
-        </p:nvSpPr>
-        <p:spPr/>
-        <p:txBody>
-          <a:bodyPr>
-            <a:normAutofit/>
+          <p:cNvSpPr txBox="1"/>
+          <p:nvPr/>
+        </p:nvSpPr>
+        <p:spPr>
+          <a:xfrm>
+            <a:off x="9221184" y="707886"/>
+            <a:ext cx="2613727" cy="707886"/>
+          </a:xfrm>
+          <a:prstGeom prst="rect">
+            <a:avLst/>
+          </a:prstGeom>
+          <a:noFill/>
+        </p:spPr>
+        <p:txBody>
+          <a:bodyPr wrap="square" rtlCol="0">
+            <a:spAutoFit/>
           </a:bodyPr>
           <a:lstStyle/>
           <a:p>
             <a:r>
-              <a:rPr lang="fr-CH" dirty="0"/>
-              <a:t>Achat et Vente d’électricité pas précis</a:t>
-            </a:r>
-          </a:p>
-          <a:p>
-            <a:r>
-              <a:rPr lang="fr-CH" dirty="0"/>
-              <a:t>Vider les réservoirs si grand débit annoncé</a:t>
-            </a:r>
-          </a:p>
-          <a:p>
-            <a:r>
-              <a:rPr lang="fr-CH" dirty="0"/>
-              <a:t>Températures et somme des débits</a:t>
-            </a:r>
-          </a:p>
-          <a:p>
-            <a:r>
-              <a:rPr lang="fr-CH" dirty="0"/>
-              <a:t>Pas précis</a:t>
-            </a:r>
-          </a:p>
-        </p:txBody>
-      </p:sp>
-      <p:sp>
-        <p:nvSpPr>
-          <p:cNvPr id="6" name="Espace réservé du texte 5">
+              <a:rPr lang="fr-CH" sz="4000" b="1" dirty="0" smtClean="0"/>
+              <a:t>T</a:t>
+            </a:r>
+          </a:p>
+        </p:txBody>
+      </p:sp>
+      <p:sp>
+        <p:nvSpPr>
+          <p:cNvPr id="7" name="ZoneTexte 31">
             <a:extLst>
               <a:ext uri="{FF2B5EF4-FFF2-40B4-BE49-F238E27FC236}">
-                <a16:creationId xmlns:a16="http://schemas.microsoft.com/office/drawing/2014/main" id="{A844FCA5-2B9F-43A3-A9BD-AA0CBC76D9C0}"/>
+                <a16:creationId xmlns:a16="http://schemas.microsoft.com/office/drawing/2014/main" xmlns="" id="{668515F3-357D-4BBF-A9FD-C0F5D3B7194D}"/>
               </a:ext>
             </a:extLst>
           </p:cNvPr>
-          <p:cNvSpPr>
-            <a:spLocks noGrp="1"/>
-          </p:cNvSpPr>
-          <p:nvPr>
-            <p:ph type="body" sz="quarter" idx="3"/>
-          </p:nvPr>
-        </p:nvSpPr>
-        <p:spPr/>
-        <p:txBody>
-          <a:bodyPr/>
+          <p:cNvSpPr txBox="1"/>
+          <p:nvPr/>
+        </p:nvSpPr>
+        <p:spPr>
+          <a:xfrm>
+            <a:off x="9221183" y="0"/>
+            <a:ext cx="2613727" cy="707886"/>
+          </a:xfrm>
+          <a:prstGeom prst="rect">
+            <a:avLst/>
+          </a:prstGeom>
+          <a:noFill/>
+        </p:spPr>
+        <p:txBody>
+          <a:bodyPr wrap="square" rtlCol="0">
+            <a:spAutoFit/>
+          </a:bodyPr>
           <a:lstStyle/>
           <a:p>
             <a:r>
-              <a:rPr lang="fr-CH" dirty="0"/>
-              <a:t>Objectifs escomptés</a:t>
-            </a:r>
-          </a:p>
-        </p:txBody>
-      </p:sp>
-      <p:sp>
-        <p:nvSpPr>
-          <p:cNvPr id="7" name="Espace réservé du contenu 6">
+              <a:rPr lang="fr-CH" sz="4000" dirty="0" smtClean="0"/>
+              <a:t>Variables</a:t>
+            </a:r>
+            <a:endParaRPr lang="fr-CH" sz="4000" dirty="0" smtClean="0"/>
+          </a:p>
+        </p:txBody>
+      </p:sp>
+      <p:sp>
+        <p:nvSpPr>
+          <p:cNvPr id="8" name="ZoneTexte 31">
             <a:extLst>
               <a:ext uri="{FF2B5EF4-FFF2-40B4-BE49-F238E27FC236}">
-                <a16:creationId xmlns:a16="http://schemas.microsoft.com/office/drawing/2014/main" id="{276B5964-0E57-476C-B3A6-D98455D844E6}"/>
+                <a16:creationId xmlns:a16="http://schemas.microsoft.com/office/drawing/2014/main" xmlns="" id="{668515F3-357D-4BBF-A9FD-C0F5D3B7194D}"/>
               </a:ext>
             </a:extLst>
           </p:cNvPr>
-          <p:cNvSpPr>
-            <a:spLocks noGrp="1"/>
-          </p:cNvSpPr>
-          <p:nvPr>
-            <p:ph sz="quarter" idx="4"/>
-          </p:nvPr>
+          <p:cNvSpPr txBox="1"/>
+          <p:nvPr/>
         </p:nvSpPr>
         <p:spPr>
           <a:xfrm>
-            <a:off x="6633864" y="2909102"/>
-            <a:ext cx="4800600" cy="3453598"/>
+            <a:off x="9221184" y="1280860"/>
+            <a:ext cx="2613727" cy="707886"/>
           </a:xfrm>
+          <a:prstGeom prst="rect">
+            <a:avLst/>
+          </a:prstGeom>
+          <a:noFill/>
         </p:spPr>
         <p:txBody>
-          <a:bodyPr>
-            <a:normAutofit/>
+          <a:bodyPr wrap="square" rtlCol="0">
+            <a:spAutoFit/>
           </a:bodyPr>
           <a:lstStyle/>
           <a:p>
             <a:r>
-              <a:rPr lang="fr-CH" dirty="0"/>
-              <a:t>Prédiction + précise à court terme</a:t>
-            </a:r>
-          </a:p>
-          <a:p>
-            <a:r>
-              <a:rPr lang="fr-CH" dirty="0"/>
-              <a:t>Max fin d’après-midi</a:t>
-            </a:r>
-          </a:p>
-          <a:p>
-            <a:r>
-              <a:rPr lang="fr-CH" dirty="0"/>
-              <a:t>Min du matin</a:t>
-            </a:r>
-          </a:p>
-          <a:p>
-            <a:endParaRPr lang="fr-CH" dirty="0"/>
-          </a:p>
-          <a:p>
-            <a:r>
-              <a:rPr lang="fr-CH" dirty="0"/>
-              <a:t>Succès</a:t>
-            </a:r>
-          </a:p>
-          <a:p>
-            <a:pPr lvl="1"/>
-            <a:r>
-              <a:rPr lang="fr-CH" dirty="0"/>
-              <a:t>Autre modèle que l’actuel</a:t>
-            </a:r>
-          </a:p>
-          <a:p>
-            <a:pPr lvl="1"/>
-            <a:r>
-              <a:rPr lang="fr-CH" dirty="0"/>
-              <a:t>En moyenne &lt; 5% erreur</a:t>
-            </a:r>
-          </a:p>
-          <a:p>
-            <a:pPr lvl="1"/>
-            <a:r>
-              <a:rPr lang="fr-CH" dirty="0"/>
-              <a:t>Prédiction à &gt; 2h</a:t>
-            </a:r>
+              <a:rPr lang="fr-CH" sz="4000" b="1" dirty="0" err="1" smtClean="0"/>
+              <a:t>season</a:t>
+            </a:r>
+            <a:endParaRPr lang="fr-CH" sz="4000" b="1" dirty="0" smtClean="0"/>
+          </a:p>
+        </p:txBody>
+      </p:sp>
+      <p:sp>
+        <p:nvSpPr>
+          <p:cNvPr id="9" name="ZoneTexte 31">
+            <a:extLst>
+              <a:ext uri="{FF2B5EF4-FFF2-40B4-BE49-F238E27FC236}">
+                <a16:creationId xmlns:a16="http://schemas.microsoft.com/office/drawing/2014/main" xmlns="" id="{668515F3-357D-4BBF-A9FD-C0F5D3B7194D}"/>
+              </a:ext>
+            </a:extLst>
+          </p:cNvPr>
+          <p:cNvSpPr txBox="1"/>
+          <p:nvPr/>
+        </p:nvSpPr>
+        <p:spPr>
+          <a:xfrm>
+            <a:off x="9240904" y="1968810"/>
+            <a:ext cx="2613727" cy="707886"/>
+          </a:xfrm>
+          <a:prstGeom prst="rect">
+            <a:avLst/>
+          </a:prstGeom>
+          <a:noFill/>
+        </p:spPr>
+        <p:txBody>
+          <a:bodyPr wrap="square" rtlCol="0">
+            <a:spAutoFit/>
+          </a:bodyPr>
+          <a:lstStyle/>
+          <a:p>
+            <a:r>
+              <a:rPr lang="fr-CH" sz="4000" b="1" dirty="0" err="1" smtClean="0"/>
+              <a:t>hour</a:t>
+            </a:r>
+            <a:endParaRPr lang="fr-CH" sz="4000" b="1" dirty="0" smtClean="0"/>
+          </a:p>
+        </p:txBody>
+      </p:sp>
+      <p:sp>
+        <p:nvSpPr>
+          <p:cNvPr id="10" name="ZoneTexte 31">
+            <a:extLst>
+              <a:ext uri="{FF2B5EF4-FFF2-40B4-BE49-F238E27FC236}">
+                <a16:creationId xmlns:a16="http://schemas.microsoft.com/office/drawing/2014/main" xmlns="" id="{668515F3-357D-4BBF-A9FD-C0F5D3B7194D}"/>
+              </a:ext>
+            </a:extLst>
+          </p:cNvPr>
+          <p:cNvSpPr txBox="1"/>
+          <p:nvPr/>
+        </p:nvSpPr>
+        <p:spPr>
+          <a:xfrm>
+            <a:off x="9270305" y="4118148"/>
+            <a:ext cx="2613727" cy="1323439"/>
+          </a:xfrm>
+          <a:prstGeom prst="rect">
+            <a:avLst/>
+          </a:prstGeom>
+          <a:noFill/>
+        </p:spPr>
+        <p:txBody>
+          <a:bodyPr wrap="square" rtlCol="0">
+            <a:spAutoFit/>
+          </a:bodyPr>
+          <a:lstStyle/>
+          <a:p>
+            <a:r>
+              <a:rPr lang="fr-CH" sz="4000" b="1" dirty="0" err="1" smtClean="0"/>
+              <a:t>Current</a:t>
+            </a:r>
+            <a:r>
+              <a:rPr lang="fr-CH" sz="4000" b="1" dirty="0" smtClean="0"/>
+              <a:t> flow rate</a:t>
+            </a:r>
+            <a:endParaRPr lang="fr-CH" sz="4000" b="1" dirty="0" smtClean="0"/>
+          </a:p>
+        </p:txBody>
+      </p:sp>
+      <p:sp>
+        <p:nvSpPr>
+          <p:cNvPr id="11" name="ZoneTexte 31">
+            <a:extLst>
+              <a:ext uri="{FF2B5EF4-FFF2-40B4-BE49-F238E27FC236}">
+                <a16:creationId xmlns:a16="http://schemas.microsoft.com/office/drawing/2014/main" xmlns="" id="{668515F3-357D-4BBF-A9FD-C0F5D3B7194D}"/>
+              </a:ext>
+            </a:extLst>
+          </p:cNvPr>
+          <p:cNvSpPr txBox="1"/>
+          <p:nvPr/>
+        </p:nvSpPr>
+        <p:spPr>
+          <a:xfrm>
+            <a:off x="9270305" y="2660820"/>
+            <a:ext cx="2613727" cy="707886"/>
+          </a:xfrm>
+          <a:prstGeom prst="rect">
+            <a:avLst/>
+          </a:prstGeom>
+          <a:noFill/>
+        </p:spPr>
+        <p:txBody>
+          <a:bodyPr wrap="square" rtlCol="0">
+            <a:spAutoFit/>
+          </a:bodyPr>
+          <a:lstStyle/>
+          <a:p>
+            <a:r>
+              <a:rPr lang="fr-CH" sz="4000" b="1" dirty="0" err="1" smtClean="0"/>
+              <a:t>sun</a:t>
+            </a:r>
+            <a:endParaRPr lang="fr-CH" sz="4000" b="1" dirty="0" smtClean="0"/>
+          </a:p>
+        </p:txBody>
+      </p:sp>
+      <p:sp>
+        <p:nvSpPr>
+          <p:cNvPr id="12" name="ZoneTexte 31">
+            <a:extLst>
+              <a:ext uri="{FF2B5EF4-FFF2-40B4-BE49-F238E27FC236}">
+                <a16:creationId xmlns:a16="http://schemas.microsoft.com/office/drawing/2014/main" xmlns="" id="{668515F3-357D-4BBF-A9FD-C0F5D3B7194D}"/>
+              </a:ext>
+            </a:extLst>
+          </p:cNvPr>
+          <p:cNvSpPr txBox="1"/>
+          <p:nvPr/>
+        </p:nvSpPr>
+        <p:spPr>
+          <a:xfrm>
+            <a:off x="9270304" y="3410262"/>
+            <a:ext cx="2613727" cy="707886"/>
+          </a:xfrm>
+          <a:prstGeom prst="rect">
+            <a:avLst/>
+          </a:prstGeom>
+          <a:noFill/>
+        </p:spPr>
+        <p:txBody>
+          <a:bodyPr wrap="square" rtlCol="0">
+            <a:spAutoFit/>
+          </a:bodyPr>
+          <a:lstStyle/>
+          <a:p>
+            <a:r>
+              <a:rPr lang="fr-CH" sz="4000" b="1" dirty="0" err="1" smtClean="0"/>
+              <a:t>rain</a:t>
+            </a:r>
+            <a:endParaRPr lang="fr-CH" sz="4000" b="1" dirty="0" smtClean="0"/>
           </a:p>
         </p:txBody>
       </p:sp>
     </p:spTree>
     <p:extLst>
       <p:ext uri="{BB962C8B-B14F-4D97-AF65-F5344CB8AC3E}">
-        <p14:creationId xmlns:p14="http://schemas.microsoft.com/office/powerpoint/2010/main" val="1514264314"/>
+        <p14:creationId xmlns:p14="http://schemas.microsoft.com/office/powerpoint/2010/main" val="3086002366"/>
       </p:ext>
     </p:extLst>
   </p:cSld>
@@ -8435,7 +8950,7 @@
           <p:cNvPr id="2" name="Titre 1">
             <a:extLst>
               <a:ext uri="{FF2B5EF4-FFF2-40B4-BE49-F238E27FC236}">
-                <a16:creationId xmlns:a16="http://schemas.microsoft.com/office/drawing/2014/main" id="{57D84172-3429-48FB-9A5C-83437F94EC34}"/>
+                <a16:creationId xmlns:a16="http://schemas.microsoft.com/office/drawing/2014/main" xmlns="" id="{2351E1DC-BC28-441B-8DA3-F7724310796E}"/>
               </a:ext>
             </a:extLst>
           </p:cNvPr>
@@ -8446,160 +8961,201 @@
             <p:ph type="title"/>
           </p:nvPr>
         </p:nvSpPr>
-        <p:spPr/>
+        <p:spPr>
+          <a:xfrm>
+            <a:off x="1252728" y="381000"/>
+            <a:ext cx="10172700" cy="1493517"/>
+          </a:xfrm>
+        </p:spPr>
         <p:txBody>
           <a:bodyPr/>
           <a:lstStyle/>
           <a:p>
-            <a:r>
-              <a:rPr lang="fr-CH" dirty="0"/>
-              <a:t>Analyse</a:t>
-            </a:r>
-            <a:br>
-              <a:rPr lang="fr-CH" dirty="0"/>
-            </a:br>
+            <a:pPr algn="r"/>
+            <a:r>
+              <a:rPr lang="fr-CH" dirty="0" err="1" smtClean="0"/>
+              <a:t>REsults</a:t>
+            </a:r>
             <a:endParaRPr lang="fr-CH" dirty="0"/>
           </a:p>
         </p:txBody>
       </p:sp>
-      <p:sp>
-        <p:nvSpPr>
-          <p:cNvPr id="4" name="Espace réservé du texte 3">
+      <p:pic>
+        <p:nvPicPr>
+          <p:cNvPr id="8" name="Picture 7">
             <a:extLst>
               <a:ext uri="{FF2B5EF4-FFF2-40B4-BE49-F238E27FC236}">
-                <a16:creationId xmlns:a16="http://schemas.microsoft.com/office/drawing/2014/main" id="{0E4DDACF-4EEB-4EDA-B2FC-D45533ACE04B}"/>
+                <a16:creationId xmlns:a16="http://schemas.microsoft.com/office/drawing/2014/main" xmlns:lc="http://schemas.openxmlformats.org/drawingml/2006/lockedCanvas" xmlns="" id="{2CC4C497-612F-4F01-816A-B1D2376F0F85}"/>
               </a:ext>
             </a:extLst>
           </p:cNvPr>
-          <p:cNvSpPr>
-            <a:spLocks noGrp="1"/>
-          </p:cNvSpPr>
-          <p:nvPr>
-            <p:ph type="body" idx="1"/>
-          </p:nvPr>
-        </p:nvSpPr>
-        <p:spPr/>
-        <p:txBody>
-          <a:bodyPr/>
-          <a:lstStyle/>
-          <a:p>
-            <a:r>
-              <a:rPr lang="fr-CH" dirty="0" err="1"/>
-              <a:t>Dataset</a:t>
-            </a:r>
-            <a:endParaRPr lang="fr-CH" dirty="0"/>
-          </a:p>
-        </p:txBody>
-      </p:sp>
-      <p:sp>
-        <p:nvSpPr>
-          <p:cNvPr id="5" name="Espace réservé du contenu 4">
+          <p:cNvPicPr>
+            <a:picLocks noChangeAspect="1"/>
+          </p:cNvPicPr>
+          <p:nvPr/>
+        </p:nvPicPr>
+        <p:blipFill>
+          <a:blip r:embed="rId2">
+            <a:extLst>
+              <a:ext uri="{28A0092B-C50C-407E-A947-70E740481C1C}">
+                <a14:useLocalDpi xmlns:a14="http://schemas.microsoft.com/office/drawing/2010/main" val="0"/>
+              </a:ext>
+            </a:extLst>
+          </a:blip>
+          <a:stretch>
+            <a:fillRect/>
+          </a:stretch>
+        </p:blipFill>
+        <p:spPr>
+          <a:xfrm>
+            <a:off x="-436045" y="430826"/>
+            <a:ext cx="7891027" cy="5996348"/>
+          </a:xfrm>
+          <a:prstGeom prst="rect">
+            <a:avLst/>
+          </a:prstGeom>
+        </p:spPr>
+      </p:pic>
+      <p:pic>
+        <p:nvPicPr>
+          <p:cNvPr id="9" name="Content Placeholder 4" descr="A screenshot of a social media post&#10;&#10;Description automatically generated">
             <a:extLst>
               <a:ext uri="{FF2B5EF4-FFF2-40B4-BE49-F238E27FC236}">
-                <a16:creationId xmlns:a16="http://schemas.microsoft.com/office/drawing/2014/main" id="{F6C60569-63B8-4B97-8DF2-C934421682AA}"/>
+                <a16:creationId xmlns:a16="http://schemas.microsoft.com/office/drawing/2014/main" xmlns:lc="http://schemas.openxmlformats.org/drawingml/2006/lockedCanvas" xmlns="" id="{D6411E1E-7F83-4E3C-A239-099FB93DA5D3}"/>
               </a:ext>
             </a:extLst>
           </p:cNvPr>
-          <p:cNvSpPr>
-            <a:spLocks noGrp="1"/>
-          </p:cNvSpPr>
-          <p:nvPr>
-            <p:ph sz="half" idx="2"/>
-          </p:nvPr>
-        </p:nvSpPr>
-        <p:spPr/>
-        <p:txBody>
-          <a:bodyPr/>
-          <a:lstStyle/>
-          <a:p>
-            <a:r>
-              <a:rPr lang="fr-CH" dirty="0"/>
-              <a:t>Débits</a:t>
-            </a:r>
-          </a:p>
-          <a:p>
-            <a:endParaRPr lang="fr-CH" dirty="0"/>
-          </a:p>
-          <a:p>
-            <a:r>
-              <a:rPr lang="fr-CH" dirty="0"/>
-              <a:t>Température</a:t>
-            </a:r>
-          </a:p>
-          <a:p>
-            <a:r>
-              <a:rPr lang="fr-CH" dirty="0"/>
-              <a:t>Pluie</a:t>
-            </a:r>
-          </a:p>
-          <a:p>
-            <a:r>
-              <a:rPr lang="fr-CH" dirty="0"/>
-              <a:t>Soleil</a:t>
-            </a:r>
-          </a:p>
-          <a:p>
-            <a:endParaRPr lang="fr-CH" dirty="0"/>
-          </a:p>
-          <a:p>
-            <a:endParaRPr lang="fr-CH" dirty="0"/>
-          </a:p>
-        </p:txBody>
-      </p:sp>
-      <p:sp>
-        <p:nvSpPr>
-          <p:cNvPr id="6" name="Espace réservé du texte 5">
+          <p:cNvPicPr>
+            <a:picLocks noGrp="1" noChangeAspect="1"/>
+          </p:cNvPicPr>
+          <p:nvPr/>
+        </p:nvPicPr>
+        <p:blipFill>
+          <a:blip r:embed="rId3">
+            <a:extLst>
+              <a:ext uri="{28A0092B-C50C-407E-A947-70E740481C1C}">
+                <a14:useLocalDpi xmlns:a14="http://schemas.microsoft.com/office/drawing/2010/main" val="0"/>
+              </a:ext>
+            </a:extLst>
+          </a:blip>
+          <a:stretch>
+            <a:fillRect/>
+          </a:stretch>
+        </p:blipFill>
+        <p:spPr>
+          <a:xfrm>
+            <a:off x="6777507" y="1059187"/>
+            <a:ext cx="5850538" cy="4351338"/>
+          </a:xfrm>
+          <a:prstGeom prst="rect">
+            <a:avLst/>
+          </a:prstGeom>
+        </p:spPr>
+      </p:pic>
+      <p:sp>
+        <p:nvSpPr>
+          <p:cNvPr id="10" name="Titre 1">
             <a:extLst>
               <a:ext uri="{FF2B5EF4-FFF2-40B4-BE49-F238E27FC236}">
-                <a16:creationId xmlns:a16="http://schemas.microsoft.com/office/drawing/2014/main" id="{20AFF0E8-EE9F-4F99-A249-11F9C6C294DA}"/>
+                <a16:creationId xmlns:a16="http://schemas.microsoft.com/office/drawing/2014/main" xmlns="" id="{2351E1DC-BC28-441B-8DA3-F7724310796E}"/>
               </a:ext>
             </a:extLst>
           </p:cNvPr>
-          <p:cNvSpPr>
-            <a:spLocks noGrp="1"/>
+          <p:cNvSpPr txBox="1">
+            <a:spLocks/>
           </p:cNvSpPr>
-          <p:nvPr>
-            <p:ph type="body" sz="quarter" idx="3"/>
-          </p:nvPr>
-        </p:nvSpPr>
-        <p:spPr/>
-        <p:txBody>
-          <a:bodyPr/>
-          <a:lstStyle/>
-          <a:p>
-            <a:endParaRPr lang="fr-CH" dirty="0"/>
-          </a:p>
-        </p:txBody>
-      </p:sp>
-      <p:sp>
-        <p:nvSpPr>
-          <p:cNvPr id="7" name="Espace réservé du contenu 6">
-            <a:extLst>
-              <a:ext uri="{FF2B5EF4-FFF2-40B4-BE49-F238E27FC236}">
-                <a16:creationId xmlns:a16="http://schemas.microsoft.com/office/drawing/2014/main" id="{157DE079-E262-4443-8580-099AF76F225A}"/>
-              </a:ext>
-            </a:extLst>
-          </p:cNvPr>
-          <p:cNvSpPr>
-            <a:spLocks noGrp="1"/>
-          </p:cNvSpPr>
-          <p:nvPr>
-            <p:ph sz="quarter" idx="4"/>
-          </p:nvPr>
-        </p:nvSpPr>
-        <p:spPr/>
-        <p:txBody>
-          <a:bodyPr/>
-          <a:lstStyle/>
-          <a:p>
-            <a:endParaRPr lang="fr-CH"/>
+          <p:nvPr/>
+        </p:nvSpPr>
+        <p:spPr>
+          <a:xfrm>
+            <a:off x="1405128" y="5680415"/>
+            <a:ext cx="10172700" cy="1493517"/>
+          </a:xfrm>
+          <a:prstGeom prst="rect">
+            <a:avLst/>
+          </a:prstGeom>
+        </p:spPr>
+        <p:txBody>
+          <a:bodyPr vert="horz" lIns="91440" tIns="45720" rIns="91440" bIns="45720" rtlCol="0" anchor="t">
+            <a:normAutofit/>
+          </a:bodyPr>
+          <a:lstStyle>
+            <a:lvl1pPr algn="l" defTabSz="914400" rtl="0" eaLnBrk="1" latinLnBrk="0" hangingPunct="1">
+              <a:lnSpc>
+                <a:spcPct val="90000"/>
+              </a:lnSpc>
+              <a:spcBef>
+                <a:spcPct val="0"/>
+              </a:spcBef>
+              <a:buNone/>
+              <a:defRPr sz="5100" kern="1200" cap="all" spc="200" baseline="0">
+                <a:solidFill>
+                  <a:schemeClr val="tx2"/>
+                </a:solidFill>
+                <a:latin typeface="+mj-lt"/>
+                <a:ea typeface="+mj-ea"/>
+                <a:cs typeface="+mj-cs"/>
+              </a:defRPr>
+            </a:lvl1pPr>
+          </a:lstStyle>
+          <a:p>
+            <a:pPr algn="r"/>
+            <a:r>
+              <a:rPr lang="fr-CH" sz="3600" dirty="0" err="1" smtClean="0"/>
+              <a:t>Prediction</a:t>
+            </a:r>
+            <a:r>
+              <a:rPr lang="fr-CH" sz="3600" dirty="0" smtClean="0"/>
+              <a:t> of flow rate 3 </a:t>
+            </a:r>
+            <a:r>
+              <a:rPr lang="fr-CH" sz="3600" dirty="0" err="1" smtClean="0"/>
+              <a:t>hours</a:t>
+            </a:r>
+            <a:r>
+              <a:rPr lang="fr-CH" sz="3600" dirty="0" smtClean="0"/>
+              <a:t> </a:t>
+            </a:r>
+            <a:r>
+              <a:rPr lang="fr-CH" sz="3600" dirty="0" err="1" smtClean="0"/>
+              <a:t>earlier</a:t>
+            </a:r>
+            <a:endParaRPr lang="fr-CH" sz="3600" dirty="0" smtClean="0"/>
+          </a:p>
+          <a:p>
+            <a:pPr algn="r"/>
+            <a:r>
+              <a:rPr lang="fr-CH" sz="3000" dirty="0" smtClean="0"/>
+              <a:t>~95% </a:t>
+            </a:r>
+            <a:r>
+              <a:rPr lang="fr-CH" sz="3000" dirty="0" err="1" smtClean="0"/>
+              <a:t>accuracy</a:t>
+            </a:r>
+            <a:r>
+              <a:rPr lang="fr-CH" sz="3000" dirty="0" smtClean="0"/>
+              <a:t> </a:t>
+            </a:r>
+            <a:r>
+              <a:rPr lang="fr-CH" sz="3000" dirty="0" err="1" smtClean="0"/>
+              <a:t>thoughout</a:t>
+            </a:r>
+            <a:r>
+              <a:rPr lang="fr-CH" sz="3000" dirty="0" smtClean="0"/>
+              <a:t> the </a:t>
+            </a:r>
+            <a:r>
+              <a:rPr lang="fr-CH" sz="3000" dirty="0" err="1" smtClean="0"/>
+              <a:t>day</a:t>
+            </a:r>
+            <a:endParaRPr lang="fr-CH" sz="3000" dirty="0"/>
           </a:p>
         </p:txBody>
       </p:sp>
     </p:spTree>
     <p:extLst>
       <p:ext uri="{BB962C8B-B14F-4D97-AF65-F5344CB8AC3E}">
-        <p14:creationId xmlns:p14="http://schemas.microsoft.com/office/powerpoint/2010/main" val="3057844008"/>
+        <p14:creationId xmlns:p14="http://schemas.microsoft.com/office/powerpoint/2010/main" val="2040670363"/>
       </p:ext>
     </p:extLst>
   </p:cSld>
@@ -8631,7 +9187,7 @@
           <p:cNvPr id="2" name="Titre 1">
             <a:extLst>
               <a:ext uri="{FF2B5EF4-FFF2-40B4-BE49-F238E27FC236}">
-                <a16:creationId xmlns:a16="http://schemas.microsoft.com/office/drawing/2014/main" id="{3EE5AC17-0E60-4FFF-9578-7FE07DA03D40}"/>
+                <a16:creationId xmlns:a16="http://schemas.microsoft.com/office/drawing/2014/main" xmlns="" id="{E5DA7DE7-BED2-47BC-95C5-6E142C0388BA}"/>
               </a:ext>
             </a:extLst>
           </p:cNvPr>
@@ -8649,18 +9205,26 @@
           <a:p>
             <a:r>
               <a:rPr lang="fr-CH" dirty="0"/>
-              <a:t>Conception</a:t>
+              <a:t>Challenge </a:t>
+            </a:r>
+            <a:r>
+              <a:rPr lang="fr-CH" dirty="0" err="1"/>
+              <a:t>Reminder</a:t>
+            </a:r>
+            <a:r>
+              <a:rPr lang="fr-CH" dirty="0"/>
+              <a:t>:</a:t>
             </a:r>
             <a:br>
               <a:rPr lang="fr-CH" dirty="0"/>
             </a:br>
             <a:r>
               <a:rPr lang="fr-CH" dirty="0" err="1"/>
-              <a:t>Regression</a:t>
+              <a:t>Predict</a:t>
             </a:r>
             <a:r>
               <a:rPr lang="fr-CH" dirty="0"/>
-              <a:t> et Machine Learning</a:t>
+              <a:t> Water Flow Rate</a:t>
             </a:r>
           </a:p>
         </p:txBody>
@@ -8670,7 +9234,7 @@
           <p:cNvPr id="5" name="Espace réservé du texte 4">
             <a:extLst>
               <a:ext uri="{FF2B5EF4-FFF2-40B4-BE49-F238E27FC236}">
-                <a16:creationId xmlns:a16="http://schemas.microsoft.com/office/drawing/2014/main" id="{D6E3FAC6-2A1D-4805-B8E4-5B1691D88E15}"/>
+                <a16:creationId xmlns:a16="http://schemas.microsoft.com/office/drawing/2014/main" xmlns="" id="{215C5C36-D646-410E-B714-CDF2FD6743B6}"/>
               </a:ext>
             </a:extLst>
           </p:cNvPr>
@@ -8687,19 +9251,18 @@
           <a:lstStyle/>
           <a:p>
             <a:r>
-              <a:rPr lang="fr-CH" dirty="0" err="1"/>
-              <a:t>Regression</a:t>
-            </a:r>
-            <a:endParaRPr lang="fr-CH" dirty="0"/>
-          </a:p>
-        </p:txBody>
-      </p:sp>
-      <p:sp>
-        <p:nvSpPr>
-          <p:cNvPr id="6" name="Espace réservé du contenu 5">
+              <a:rPr lang="fr-CH" dirty="0"/>
+              <a:t>Actuellement</a:t>
+            </a:r>
+          </a:p>
+        </p:txBody>
+      </p:sp>
+      <p:sp>
+        <p:nvSpPr>
+          <p:cNvPr id="3" name="Espace réservé du contenu 2">
             <a:extLst>
               <a:ext uri="{FF2B5EF4-FFF2-40B4-BE49-F238E27FC236}">
-                <a16:creationId xmlns:a16="http://schemas.microsoft.com/office/drawing/2014/main" id="{B30CF11E-AD12-482B-BDDE-B50196AF4C7F}"/>
+                <a16:creationId xmlns:a16="http://schemas.microsoft.com/office/drawing/2014/main" xmlns="" id="{2560E267-1B82-4ADB-ACB5-8A6C2F225CF4}"/>
               </a:ext>
             </a:extLst>
           </p:cNvPr>
@@ -8710,85 +9273,44 @@
             <p:ph sz="half" idx="2"/>
           </p:nvPr>
         </p:nvSpPr>
-        <p:spPr>
-          <a:xfrm>
-            <a:off x="1257300" y="2909102"/>
-            <a:ext cx="4800600" cy="3567898"/>
-          </a:xfrm>
-        </p:spPr>
+        <p:spPr/>
         <p:txBody>
           <a:bodyPr>
-            <a:normAutofit lnSpcReduction="10000"/>
+            <a:normAutofit/>
           </a:bodyPr>
           <a:lstStyle/>
           <a:p>
             <a:r>
               <a:rPr lang="fr-CH" dirty="0"/>
-              <a:t>Régression linéaire (MCO)</a:t>
+              <a:t>Achat et Vente d’électricité pas précis</a:t>
             </a:r>
           </a:p>
           <a:p>
             <a:r>
               <a:rPr lang="fr-CH" dirty="0"/>
-              <a:t>Inputs</a:t>
-            </a:r>
-          </a:p>
-          <a:p>
-            <a:pPr lvl="1"/>
+              <a:t>Vider les réservoirs si grand débit annoncé</a:t>
+            </a:r>
+          </a:p>
+          <a:p>
             <a:r>
               <a:rPr lang="fr-CH" dirty="0"/>
-              <a:t>Débits</a:t>
-            </a:r>
-          </a:p>
-          <a:p>
-            <a:pPr lvl="1"/>
+              <a:t>Températures et somme des débits</a:t>
+            </a:r>
+          </a:p>
+          <a:p>
             <a:r>
               <a:rPr lang="fr-CH" dirty="0"/>
-              <a:t>Température courante</a:t>
-            </a:r>
-          </a:p>
-          <a:p>
-            <a:pPr lvl="1"/>
-            <a:r>
-              <a:rPr lang="fr-CH" dirty="0"/>
-              <a:t>Pluie + 5 jours précédents</a:t>
-            </a:r>
-          </a:p>
-          <a:p>
-            <a:pPr lvl="1"/>
-            <a:r>
-              <a:rPr lang="fr-CH" dirty="0"/>
-              <a:t>Soleil ~ Heure</a:t>
-            </a:r>
-          </a:p>
-          <a:p>
-            <a:pPr lvl="1"/>
-            <a:r>
-              <a:rPr lang="fr-CH" dirty="0"/>
-              <a:t>Mois courant</a:t>
-            </a:r>
-          </a:p>
-          <a:p>
-            <a:r>
-              <a:rPr lang="fr-CH" dirty="0"/>
-              <a:t>Output</a:t>
-            </a:r>
-          </a:p>
-          <a:p>
-            <a:pPr lvl="1"/>
-            <a:r>
-              <a:rPr lang="fr-CH" dirty="0"/>
-              <a:t>Débits futurs</a:t>
-            </a:r>
-          </a:p>
-        </p:txBody>
-      </p:sp>
-      <p:sp>
-        <p:nvSpPr>
-          <p:cNvPr id="7" name="Espace réservé du texte 6">
+              <a:t>Pas précis</a:t>
+            </a:r>
+          </a:p>
+        </p:txBody>
+      </p:sp>
+      <p:sp>
+        <p:nvSpPr>
+          <p:cNvPr id="6" name="Espace réservé du texte 5">
             <a:extLst>
               <a:ext uri="{FF2B5EF4-FFF2-40B4-BE49-F238E27FC236}">
-                <a16:creationId xmlns:a16="http://schemas.microsoft.com/office/drawing/2014/main" id="{3073CAD3-7F50-4337-8CC6-323BEE93BFCC}"/>
+                <a16:creationId xmlns:a16="http://schemas.microsoft.com/office/drawing/2014/main" xmlns="" id="{A844FCA5-2B9F-43A3-A9BD-AA0CBC76D9C0}"/>
               </a:ext>
             </a:extLst>
           </p:cNvPr>
@@ -8806,17 +9328,17 @@
           <a:p>
             <a:r>
               <a:rPr lang="fr-CH" dirty="0"/>
-              <a:t>Machine Learning</a:t>
-            </a:r>
-          </a:p>
-        </p:txBody>
-      </p:sp>
-      <p:sp>
-        <p:nvSpPr>
-          <p:cNvPr id="8" name="Espace réservé du contenu 7">
+              <a:t>Objectifs escomptés</a:t>
+            </a:r>
+          </a:p>
+        </p:txBody>
+      </p:sp>
+      <p:sp>
+        <p:nvSpPr>
+          <p:cNvPr id="7" name="Espace réservé du contenu 6">
             <a:extLst>
               <a:ext uri="{FF2B5EF4-FFF2-40B4-BE49-F238E27FC236}">
-                <a16:creationId xmlns:a16="http://schemas.microsoft.com/office/drawing/2014/main" id="{ECF6C482-E4F2-44F8-80BE-AF450BF95A76}"/>
+                <a16:creationId xmlns:a16="http://schemas.microsoft.com/office/drawing/2014/main" xmlns="" id="{276B5964-0E57-476C-B3A6-D98455D844E6}"/>
               </a:ext>
             </a:extLst>
           </p:cNvPr>
@@ -8827,56 +9349,63 @@
             <p:ph sz="quarter" idx="4"/>
           </p:nvPr>
         </p:nvSpPr>
-        <p:spPr/>
+        <p:spPr>
+          <a:xfrm>
+            <a:off x="6633864" y="2909102"/>
+            <a:ext cx="4800600" cy="3453598"/>
+          </a:xfrm>
+        </p:spPr>
         <p:txBody>
           <a:bodyPr>
-            <a:normAutofit lnSpcReduction="10000"/>
+            <a:normAutofit/>
           </a:bodyPr>
           <a:lstStyle/>
           <a:p>
             <a:r>
               <a:rPr lang="fr-CH" dirty="0"/>
-              <a:t>Réseau de neurones (CNN)</a:t>
+              <a:t>Prédiction + précise à court terme</a:t>
             </a:r>
           </a:p>
           <a:p>
             <a:r>
               <a:rPr lang="fr-CH" dirty="0"/>
-              <a:t>Inputs</a:t>
+              <a:t>Max fin d’après-midi</a:t>
+            </a:r>
+          </a:p>
+          <a:p>
+            <a:r>
+              <a:rPr lang="fr-CH" dirty="0"/>
+              <a:t>Min du matin</a:t>
+            </a:r>
+          </a:p>
+          <a:p>
+            <a:endParaRPr lang="fr-CH" dirty="0"/>
+          </a:p>
+          <a:p>
+            <a:r>
+              <a:rPr lang="fr-CH" dirty="0"/>
+              <a:t>Succès</a:t>
             </a:r>
           </a:p>
           <a:p>
             <a:pPr lvl="1"/>
             <a:r>
               <a:rPr lang="fr-CH" dirty="0"/>
-              <a:t>Débits 3 derniers jours flottant : modèle</a:t>
+              <a:t>Autre modèle que l’actuel</a:t>
             </a:r>
           </a:p>
           <a:p>
             <a:pPr lvl="1"/>
             <a:r>
               <a:rPr lang="fr-CH" dirty="0"/>
-              <a:t>Température</a:t>
+              <a:t>En moyenne &lt; 5% erreur</a:t>
             </a:r>
           </a:p>
           <a:p>
             <a:pPr lvl="1"/>
             <a:r>
               <a:rPr lang="fr-CH" dirty="0"/>
-              <a:t>Pluie</a:t>
-            </a:r>
-          </a:p>
-          <a:p>
-            <a:r>
-              <a:rPr lang="fr-CH" dirty="0"/>
-              <a:t>Output</a:t>
-            </a:r>
-          </a:p>
-          <a:p>
-            <a:pPr lvl="1"/>
-            <a:r>
-              <a:rPr lang="fr-CH" dirty="0"/>
-              <a:t>¼ h de prédiction</a:t>
+              <a:t>Prédiction à &gt; 2h</a:t>
             </a:r>
           </a:p>
         </p:txBody>
@@ -8884,7 +9413,203 @@
     </p:spTree>
     <p:extLst>
       <p:ext uri="{BB962C8B-B14F-4D97-AF65-F5344CB8AC3E}">
-        <p14:creationId xmlns:p14="http://schemas.microsoft.com/office/powerpoint/2010/main" val="1182570940"/>
+        <p14:creationId xmlns:p14="http://schemas.microsoft.com/office/powerpoint/2010/main" val="1514264314"/>
+      </p:ext>
+    </p:extLst>
+  </p:cSld>
+  <p:clrMapOvr>
+    <a:masterClrMapping/>
+  </p:clrMapOvr>
+</p:sld>
+</file>
+
+<file path=ppt/slides/slide9.xml><?xml version="1.0" encoding="utf-8"?>
+<p:sld xmlns:a="http://schemas.openxmlformats.org/drawingml/2006/main" xmlns:r="http://schemas.openxmlformats.org/officeDocument/2006/relationships" xmlns:p="http://schemas.openxmlformats.org/presentationml/2006/main">
+  <p:cSld>
+    <p:spTree>
+      <p:nvGrpSpPr>
+        <p:cNvPr id="1" name=""/>
+        <p:cNvGrpSpPr/>
+        <p:nvPr/>
+      </p:nvGrpSpPr>
+      <p:grpSpPr>
+        <a:xfrm>
+          <a:off x="0" y="0"/>
+          <a:ext cx="0" cy="0"/>
+          <a:chOff x="0" y="0"/>
+          <a:chExt cx="0" cy="0"/>
+        </a:xfrm>
+      </p:grpSpPr>
+      <p:sp>
+        <p:nvSpPr>
+          <p:cNvPr id="2" name="Titre 1">
+            <a:extLst>
+              <a:ext uri="{FF2B5EF4-FFF2-40B4-BE49-F238E27FC236}">
+                <a16:creationId xmlns:a16="http://schemas.microsoft.com/office/drawing/2014/main" xmlns="" id="{57D84172-3429-48FB-9A5C-83437F94EC34}"/>
+              </a:ext>
+            </a:extLst>
+          </p:cNvPr>
+          <p:cNvSpPr>
+            <a:spLocks noGrp="1"/>
+          </p:cNvSpPr>
+          <p:nvPr>
+            <p:ph type="title"/>
+          </p:nvPr>
+        </p:nvSpPr>
+        <p:spPr/>
+        <p:txBody>
+          <a:bodyPr/>
+          <a:lstStyle/>
+          <a:p>
+            <a:r>
+              <a:rPr lang="fr-CH" dirty="0"/>
+              <a:t>Analyse</a:t>
+            </a:r>
+            <a:br>
+              <a:rPr lang="fr-CH" dirty="0"/>
+            </a:br>
+            <a:endParaRPr lang="fr-CH" dirty="0"/>
+          </a:p>
+        </p:txBody>
+      </p:sp>
+      <p:sp>
+        <p:nvSpPr>
+          <p:cNvPr id="4" name="Espace réservé du texte 3">
+            <a:extLst>
+              <a:ext uri="{FF2B5EF4-FFF2-40B4-BE49-F238E27FC236}">
+                <a16:creationId xmlns:a16="http://schemas.microsoft.com/office/drawing/2014/main" xmlns="" id="{0E4DDACF-4EEB-4EDA-B2FC-D45533ACE04B}"/>
+              </a:ext>
+            </a:extLst>
+          </p:cNvPr>
+          <p:cNvSpPr>
+            <a:spLocks noGrp="1"/>
+          </p:cNvSpPr>
+          <p:nvPr>
+            <p:ph type="body" idx="1"/>
+          </p:nvPr>
+        </p:nvSpPr>
+        <p:spPr/>
+        <p:txBody>
+          <a:bodyPr/>
+          <a:lstStyle/>
+          <a:p>
+            <a:r>
+              <a:rPr lang="fr-CH" dirty="0" err="1"/>
+              <a:t>Dataset</a:t>
+            </a:r>
+            <a:endParaRPr lang="fr-CH" dirty="0"/>
+          </a:p>
+        </p:txBody>
+      </p:sp>
+      <p:sp>
+        <p:nvSpPr>
+          <p:cNvPr id="5" name="Espace réservé du contenu 4">
+            <a:extLst>
+              <a:ext uri="{FF2B5EF4-FFF2-40B4-BE49-F238E27FC236}">
+                <a16:creationId xmlns:a16="http://schemas.microsoft.com/office/drawing/2014/main" xmlns="" id="{F6C60569-63B8-4B97-8DF2-C934421682AA}"/>
+              </a:ext>
+            </a:extLst>
+          </p:cNvPr>
+          <p:cNvSpPr>
+            <a:spLocks noGrp="1"/>
+          </p:cNvSpPr>
+          <p:nvPr>
+            <p:ph sz="half" idx="2"/>
+          </p:nvPr>
+        </p:nvSpPr>
+        <p:spPr/>
+        <p:txBody>
+          <a:bodyPr/>
+          <a:lstStyle/>
+          <a:p>
+            <a:r>
+              <a:rPr lang="fr-CH" dirty="0"/>
+              <a:t>Débits</a:t>
+            </a:r>
+          </a:p>
+          <a:p>
+            <a:endParaRPr lang="fr-CH" dirty="0"/>
+          </a:p>
+          <a:p>
+            <a:r>
+              <a:rPr lang="fr-CH" dirty="0"/>
+              <a:t>Température</a:t>
+            </a:r>
+          </a:p>
+          <a:p>
+            <a:r>
+              <a:rPr lang="fr-CH" dirty="0"/>
+              <a:t>Pluie</a:t>
+            </a:r>
+          </a:p>
+          <a:p>
+            <a:r>
+              <a:rPr lang="fr-CH" dirty="0"/>
+              <a:t>Soleil</a:t>
+            </a:r>
+          </a:p>
+          <a:p>
+            <a:endParaRPr lang="fr-CH" dirty="0"/>
+          </a:p>
+          <a:p>
+            <a:endParaRPr lang="fr-CH" dirty="0"/>
+          </a:p>
+        </p:txBody>
+      </p:sp>
+      <p:sp>
+        <p:nvSpPr>
+          <p:cNvPr id="6" name="Espace réservé du texte 5">
+            <a:extLst>
+              <a:ext uri="{FF2B5EF4-FFF2-40B4-BE49-F238E27FC236}">
+                <a16:creationId xmlns:a16="http://schemas.microsoft.com/office/drawing/2014/main" xmlns="" id="{20AFF0E8-EE9F-4F99-A249-11F9C6C294DA}"/>
+              </a:ext>
+            </a:extLst>
+          </p:cNvPr>
+          <p:cNvSpPr>
+            <a:spLocks noGrp="1"/>
+          </p:cNvSpPr>
+          <p:nvPr>
+            <p:ph type="body" sz="quarter" idx="3"/>
+          </p:nvPr>
+        </p:nvSpPr>
+        <p:spPr/>
+        <p:txBody>
+          <a:bodyPr/>
+          <a:lstStyle/>
+          <a:p>
+            <a:endParaRPr lang="fr-CH" dirty="0"/>
+          </a:p>
+        </p:txBody>
+      </p:sp>
+      <p:sp>
+        <p:nvSpPr>
+          <p:cNvPr id="7" name="Espace réservé du contenu 6">
+            <a:extLst>
+              <a:ext uri="{FF2B5EF4-FFF2-40B4-BE49-F238E27FC236}">
+                <a16:creationId xmlns:a16="http://schemas.microsoft.com/office/drawing/2014/main" xmlns="" id="{157DE079-E262-4443-8580-099AF76F225A}"/>
+              </a:ext>
+            </a:extLst>
+          </p:cNvPr>
+          <p:cNvSpPr>
+            <a:spLocks noGrp="1"/>
+          </p:cNvSpPr>
+          <p:nvPr>
+            <p:ph sz="quarter" idx="4"/>
+          </p:nvPr>
+        </p:nvSpPr>
+        <p:spPr/>
+        <p:txBody>
+          <a:bodyPr/>
+          <a:lstStyle/>
+          <a:p>
+            <a:endParaRPr lang="fr-CH"/>
+          </a:p>
+        </p:txBody>
+      </p:sp>
+    </p:spTree>
+    <p:extLst>
+      <p:ext uri="{BB962C8B-B14F-4D97-AF65-F5344CB8AC3E}">
+        <p14:creationId xmlns:p14="http://schemas.microsoft.com/office/powerpoint/2010/main" val="3057844008"/>
       </p:ext>
     </p:extLst>
   </p:cSld>
@@ -8937,7 +9662,7 @@
     </a:clrScheme>
     <a:fontScheme name="Badge">
       <a:majorFont>
-        <a:latin typeface="Impact" panose="020B0806030902050204"/>
+        <a:latin typeface="Impact"/>
         <a:ea typeface=""/>
         <a:cs typeface=""/>
         <a:font script="Jpan" typeface="メイリオ"/>
@@ -8972,7 +9697,7 @@
         <a:font script="Geor" typeface="Sylfaen"/>
       </a:majorFont>
       <a:minorFont>
-        <a:latin typeface="Gill Sans MT" panose="020B0502020104020203"/>
+        <a:latin typeface="Gill Sans MT"/>
         <a:ea typeface=""/>
         <a:cs typeface=""/>
         <a:font script="Grek" typeface="Corbel"/>
@@ -9148,7 +9873,7 @@
   <a:extraClrSchemeLst/>
   <a:extLst>
     <a:ext uri="{05A4C25C-085E-4340-85A3-A5531E510DB2}">
-      <thm15:themeFamily xmlns:thm15="http://schemas.microsoft.com/office/thememl/2012/main" name="Badge" id="{71A07785-5930-41D4-9A83-E23602B48E98}" vid="{D71F8F05-6246-47AF-9E68-E57F6C93F792}"/>
+      <thm15:themeFamily xmlns:thm15="http://schemas.microsoft.com/office/thememl/2012/main" xmlns="" name="Badge" id="{71A07785-5930-41D4-9A83-E23602B48E98}" vid="{D71F8F05-6246-47AF-9E68-E57F6C93F792}"/>
     </a:ext>
   </a:extLst>
 </a:theme>
@@ -9197,7 +9922,7 @@
     </a:clrScheme>
     <a:fontScheme name="Office">
       <a:majorFont>
-        <a:latin typeface="Calibri Light" panose="020F0302020204030204"/>
+        <a:latin typeface="Calibri Light"/>
         <a:ea typeface=""/>
         <a:cs typeface=""/>
         <a:font script="Jpan" typeface="游ゴシック Light"/>
@@ -9249,7 +9974,7 @@
         <a:font script="Tfng" typeface="Ebrima"/>
       </a:majorFont>
       <a:minorFont>
-        <a:latin typeface="Calibri" panose="020F0502020204030204"/>
+        <a:latin typeface="Calibri"/>
         <a:ea typeface=""/>
         <a:cs typeface=""/>
         <a:font script="Jpan" typeface="游ゴシック"/>
@@ -9443,7 +10168,7 @@
   <a:extraClrSchemeLst/>
   <a:extLst>
     <a:ext uri="{05A4C25C-085E-4340-85A3-A5531E510DB2}">
-      <thm15:themeFamily xmlns:thm15="http://schemas.microsoft.com/office/thememl/2012/main" name="Office Theme" id="{62F939B6-93AF-4DB8-9C6B-D6C7DFDC589F}" vid="{4A3C46E8-61CC-4603-A589-7422A47A8E4A}"/>
+      <thm15:themeFamily xmlns:thm15="http://schemas.microsoft.com/office/thememl/2012/main" xmlns="" name="Office Theme" id="{62F939B6-93AF-4DB8-9C6B-D6C7DFDC589F}" vid="{4A3C46E8-61CC-4603-A589-7422A47A8E4A}"/>
     </a:ext>
   </a:extLst>
 </a:theme>
